--- a/files/basics.pptx
+++ b/files/basics.pptx
@@ -119,6 +119,11 @@
       </a:defRPr>
     </a:lvl9pPr>
   </p:defaultTextStyle>
+  <p:extLst>
+    <p:ext uri="{EFAFB233-063F-42B5-8137-9DF3F51BA10A}">
+      <p15:sldGuideLst xmlns:p15="http://schemas.microsoft.com/office/powerpoint/2012/main"/>
+    </p:ext>
+  </p:extLst>
 </p:presentation>
 </file>
 
@@ -5169,7 +5174,7 @@
           <a:p>
             <a:r>
               <a:rPr lang="en-US" dirty="0"/>
-              <a:t>Computer Encoding, Linux</a:t>
+              <a:t>Character Encoding, Linux</a:t>
             </a:r>
             <a:endParaRPr lang="he-IL" dirty="0"/>
           </a:p>
@@ -5772,7 +5777,7 @@
           <a:p>
             <a:r>
               <a:rPr lang="en-US" dirty="0"/>
-              <a:t>Computer Encoding</a:t>
+              <a:t>Character Encoding</a:t>
             </a:r>
             <a:endParaRPr lang="he-IL" dirty="0"/>
           </a:p>
@@ -6191,8 +6196,12 @@
           <a:lstStyle/>
           <a:p>
             <a:r>
+              <a:rPr lang="en-US"/>
+              <a:t>Character </a:t>
+            </a:r>
+            <a:r>
               <a:rPr lang="en-US" dirty="0"/>
-              <a:t>Computer Encoding</a:t>
+              <a:t>Encoding</a:t>
             </a:r>
             <a:endParaRPr lang="he-IL" dirty="0"/>
           </a:p>

--- a/files/basics.pptx
+++ b/files/basics.pptx
@@ -5,7 +5,7 @@
     <p:sldMasterId id="2147483648" r:id="rId1"/>
   </p:sldMasterIdLst>
   <p:notesMasterIdLst>
-    <p:notesMasterId r:id="rId15"/>
+    <p:notesMasterId r:id="rId18"/>
   </p:notesMasterIdLst>
   <p:sldIdLst>
     <p:sldId id="256" r:id="rId2"/>
@@ -18,9 +18,12 @@
     <p:sldId id="263" r:id="rId9"/>
     <p:sldId id="264" r:id="rId10"/>
     <p:sldId id="265" r:id="rId11"/>
-    <p:sldId id="266" r:id="rId12"/>
-    <p:sldId id="267" r:id="rId13"/>
-    <p:sldId id="268" r:id="rId14"/>
+    <p:sldId id="270" r:id="rId12"/>
+    <p:sldId id="271" r:id="rId13"/>
+    <p:sldId id="266" r:id="rId14"/>
+    <p:sldId id="267" r:id="rId15"/>
+    <p:sldId id="268" r:id="rId16"/>
+    <p:sldId id="272" r:id="rId17"/>
   </p:sldIdLst>
   <p:sldSz cx="12192000" cy="6858000"/>
   <p:notesSz cx="6858000" cy="9144000"/>
@@ -125,6 +128,370 @@
     </p:ext>
   </p:extLst>
 </p:presentation>
+</file>
+
+<file path=ppt/revisionInfo.xml><?xml version="1.0" encoding="utf-8"?>
+<p1510:revInfo xmlns:a="http://schemas.openxmlformats.org/drawingml/2006/main" xmlns:r="http://schemas.openxmlformats.org/officeDocument/2006/relationships" xmlns:p1510="http://schemas.microsoft.com/office/powerpoint/2015/10/main">
+  <p1510:revLst>
+    <p1510:client id="{5D0E05FA-14B5-4214-AF88-6436AAD9EAD4}" v="5" dt="2023-12-30T07:33:59.743"/>
+  </p1510:revLst>
+</p1510:revInfo>
+</file>
+
+<file path=ppt/changesInfos/changesInfo1.xml><?xml version="1.0" encoding="utf-8"?>
+<pc:chgInfo xmlns:a="http://schemas.openxmlformats.org/drawingml/2006/main" xmlns:r="http://schemas.openxmlformats.org/officeDocument/2006/relationships" xmlns:ac="http://schemas.microsoft.com/office/drawing/2013/main/command" xmlns:pc="http://schemas.microsoft.com/office/powerpoint/2013/main/command">
+  <pc:docChgLst>
+    <pc:chgData name="Hili Levy" userId="628f2e07-e40f-4571-b78e-ff5a3e6edd46" providerId="ADAL" clId="{5D0E05FA-14B5-4214-AF88-6436AAD9EAD4}"/>
+    <pc:docChg chg="undo custSel addSld delSld modSld sldOrd">
+      <pc:chgData name="Hili Levy" userId="628f2e07-e40f-4571-b78e-ff5a3e6edd46" providerId="ADAL" clId="{5D0E05FA-14B5-4214-AF88-6436AAD9EAD4}" dt="2023-12-30T07:36:39.859" v="271" actId="2696"/>
+      <pc:docMkLst>
+        <pc:docMk/>
+      </pc:docMkLst>
+      <pc:sldChg chg="modSp mod">
+        <pc:chgData name="Hili Levy" userId="628f2e07-e40f-4571-b78e-ff5a3e6edd46" providerId="ADAL" clId="{5D0E05FA-14B5-4214-AF88-6436AAD9EAD4}" dt="2023-12-30T07:34:23.533" v="247" actId="20577"/>
+        <pc:sldMkLst>
+          <pc:docMk/>
+          <pc:sldMk cId="2982971901" sldId="256"/>
+        </pc:sldMkLst>
+        <pc:spChg chg="mod">
+          <ac:chgData name="Hili Levy" userId="628f2e07-e40f-4571-b78e-ff5a3e6edd46" providerId="ADAL" clId="{5D0E05FA-14B5-4214-AF88-6436AAD9EAD4}" dt="2023-12-30T07:34:23.533" v="247" actId="20577"/>
+          <ac:spMkLst>
+            <pc:docMk/>
+            <pc:sldMk cId="2982971901" sldId="256"/>
+            <ac:spMk id="3" creationId="{3F50ED73-2504-1C76-76E0-BFF76C13B05E}"/>
+          </ac:spMkLst>
+        </pc:spChg>
+      </pc:sldChg>
+      <pc:sldChg chg="addSp delSp modSp mod">
+        <pc:chgData name="Hili Levy" userId="628f2e07-e40f-4571-b78e-ff5a3e6edd46" providerId="ADAL" clId="{5D0E05FA-14B5-4214-AF88-6436AAD9EAD4}" dt="2023-12-30T07:34:26.901" v="256" actId="20577"/>
+        <pc:sldMkLst>
+          <pc:docMk/>
+          <pc:sldMk cId="3151224172" sldId="257"/>
+        </pc:sldMkLst>
+        <pc:spChg chg="mod">
+          <ac:chgData name="Hili Levy" userId="628f2e07-e40f-4571-b78e-ff5a3e6edd46" providerId="ADAL" clId="{5D0E05FA-14B5-4214-AF88-6436AAD9EAD4}" dt="2023-12-30T07:34:26.901" v="256" actId="20577"/>
+          <ac:spMkLst>
+            <pc:docMk/>
+            <pc:sldMk cId="3151224172" sldId="257"/>
+            <ac:spMk id="2" creationId="{6DF8B835-D8F3-2EA4-9020-707B7A82EA20}"/>
+          </ac:spMkLst>
+        </pc:spChg>
+        <pc:graphicFrameChg chg="add del mod">
+          <ac:chgData name="Hili Levy" userId="628f2e07-e40f-4571-b78e-ff5a3e6edd46" providerId="ADAL" clId="{5D0E05FA-14B5-4214-AF88-6436AAD9EAD4}" dt="2023-12-30T07:25:29.226" v="84" actId="478"/>
+          <ac:graphicFrameMkLst>
+            <pc:docMk/>
+            <pc:sldMk cId="3151224172" sldId="257"/>
+            <ac:graphicFrameMk id="4" creationId="{55082190-01B2-3223-F9DF-EC9C31408142}"/>
+          </ac:graphicFrameMkLst>
+        </pc:graphicFrameChg>
+        <pc:graphicFrameChg chg="add mod">
+          <ac:chgData name="Hili Levy" userId="628f2e07-e40f-4571-b78e-ff5a3e6edd46" providerId="ADAL" clId="{5D0E05FA-14B5-4214-AF88-6436AAD9EAD4}" dt="2023-12-30T07:27:23.872" v="118" actId="1076"/>
+          <ac:graphicFrameMkLst>
+            <pc:docMk/>
+            <pc:sldMk cId="3151224172" sldId="257"/>
+            <ac:graphicFrameMk id="5" creationId="{3EF6BD1A-3358-A4EA-99B6-133138F94847}"/>
+          </ac:graphicFrameMkLst>
+        </pc:graphicFrameChg>
+        <pc:graphicFrameChg chg="mod modGraphic">
+          <ac:chgData name="Hili Levy" userId="628f2e07-e40f-4571-b78e-ff5a3e6edd46" providerId="ADAL" clId="{5D0E05FA-14B5-4214-AF88-6436AAD9EAD4}" dt="2023-12-30T07:26:53.613" v="116" actId="20577"/>
+          <ac:graphicFrameMkLst>
+            <pc:docMk/>
+            <pc:sldMk cId="3151224172" sldId="257"/>
+            <ac:graphicFrameMk id="6" creationId="{0CA1D4AB-A621-0604-4527-C00D3AB1497C}"/>
+          </ac:graphicFrameMkLst>
+        </pc:graphicFrameChg>
+      </pc:sldChg>
+      <pc:sldChg chg="modSp mod">
+        <pc:chgData name="Hili Levy" userId="628f2e07-e40f-4571-b78e-ff5a3e6edd46" providerId="ADAL" clId="{5D0E05FA-14B5-4214-AF88-6436AAD9EAD4}" dt="2023-12-30T07:34:29.829" v="265" actId="20577"/>
+        <pc:sldMkLst>
+          <pc:docMk/>
+          <pc:sldMk cId="3181084891" sldId="258"/>
+        </pc:sldMkLst>
+        <pc:spChg chg="mod">
+          <ac:chgData name="Hili Levy" userId="628f2e07-e40f-4571-b78e-ff5a3e6edd46" providerId="ADAL" clId="{5D0E05FA-14B5-4214-AF88-6436AAD9EAD4}" dt="2023-12-30T07:34:29.829" v="265" actId="20577"/>
+          <ac:spMkLst>
+            <pc:docMk/>
+            <pc:sldMk cId="3181084891" sldId="258"/>
+            <ac:spMk id="2" creationId="{316DEEBD-97CA-79C1-E104-EA4909B88F0D}"/>
+          </ac:spMkLst>
+        </pc:spChg>
+      </pc:sldChg>
+      <pc:sldChg chg="mod modShow">
+        <pc:chgData name="Hili Levy" userId="628f2e07-e40f-4571-b78e-ff5a3e6edd46" providerId="ADAL" clId="{5D0E05FA-14B5-4214-AF88-6436AAD9EAD4}" dt="2023-12-30T07:18:56.221" v="0" actId="729"/>
+        <pc:sldMkLst>
+          <pc:docMk/>
+          <pc:sldMk cId="143441517" sldId="260"/>
+        </pc:sldMkLst>
+      </pc:sldChg>
+      <pc:sldChg chg="mod modShow">
+        <pc:chgData name="Hili Levy" userId="628f2e07-e40f-4571-b78e-ff5a3e6edd46" providerId="ADAL" clId="{5D0E05FA-14B5-4214-AF88-6436AAD9EAD4}" dt="2023-12-30T07:19:01.356" v="1" actId="729"/>
+        <pc:sldMkLst>
+          <pc:docMk/>
+          <pc:sldMk cId="1809570572" sldId="261"/>
+        </pc:sldMkLst>
+      </pc:sldChg>
+      <pc:sldChg chg="mod modShow">
+        <pc:chgData name="Hili Levy" userId="628f2e07-e40f-4571-b78e-ff5a3e6edd46" providerId="ADAL" clId="{5D0E05FA-14B5-4214-AF88-6436AAD9EAD4}" dt="2023-12-30T07:19:01.356" v="1" actId="729"/>
+        <pc:sldMkLst>
+          <pc:docMk/>
+          <pc:sldMk cId="2028845405" sldId="262"/>
+        </pc:sldMkLst>
+      </pc:sldChg>
+      <pc:sldChg chg="mod modShow">
+        <pc:chgData name="Hili Levy" userId="628f2e07-e40f-4571-b78e-ff5a3e6edd46" providerId="ADAL" clId="{5D0E05FA-14B5-4214-AF88-6436AAD9EAD4}" dt="2023-12-30T07:19:01.356" v="1" actId="729"/>
+        <pc:sldMkLst>
+          <pc:docMk/>
+          <pc:sldMk cId="2571112430" sldId="263"/>
+        </pc:sldMkLst>
+      </pc:sldChg>
+      <pc:sldChg chg="mod modShow">
+        <pc:chgData name="Hili Levy" userId="628f2e07-e40f-4571-b78e-ff5a3e6edd46" providerId="ADAL" clId="{5D0E05FA-14B5-4214-AF88-6436AAD9EAD4}" dt="2023-12-30T07:28:46.867" v="135" actId="729"/>
+        <pc:sldMkLst>
+          <pc:docMk/>
+          <pc:sldMk cId="3741131275" sldId="264"/>
+        </pc:sldMkLst>
+      </pc:sldChg>
+      <pc:sldChg chg="addSp delSp modSp mod modNotesTx">
+        <pc:chgData name="Hili Levy" userId="628f2e07-e40f-4571-b78e-ff5a3e6edd46" providerId="ADAL" clId="{5D0E05FA-14B5-4214-AF88-6436AAD9EAD4}" dt="2023-12-30T07:35:02.162" v="269" actId="20577"/>
+        <pc:sldMkLst>
+          <pc:docMk/>
+          <pc:sldMk cId="3164663766" sldId="265"/>
+        </pc:sldMkLst>
+        <pc:spChg chg="mod">
+          <ac:chgData name="Hili Levy" userId="628f2e07-e40f-4571-b78e-ff5a3e6edd46" providerId="ADAL" clId="{5D0E05FA-14B5-4214-AF88-6436AAD9EAD4}" dt="2023-12-30T07:28:50.385" v="141" actId="20577"/>
+          <ac:spMkLst>
+            <pc:docMk/>
+            <pc:sldMk cId="3164663766" sldId="265"/>
+            <ac:spMk id="2" creationId="{FAA96653-6F35-029D-F0A6-E03FB31E322D}"/>
+          </ac:spMkLst>
+        </pc:spChg>
+        <pc:picChg chg="del">
+          <ac:chgData name="Hili Levy" userId="628f2e07-e40f-4571-b78e-ff5a3e6edd46" providerId="ADAL" clId="{5D0E05FA-14B5-4214-AF88-6436AAD9EAD4}" dt="2023-12-30T07:29:28.630" v="143" actId="478"/>
+          <ac:picMkLst>
+            <pc:docMk/>
+            <pc:sldMk cId="3164663766" sldId="265"/>
+            <ac:picMk id="4" creationId="{B0B9D67D-4475-1F58-38AA-75C2A0EC7B3F}"/>
+          </ac:picMkLst>
+        </pc:picChg>
+        <pc:picChg chg="add del">
+          <ac:chgData name="Hili Levy" userId="628f2e07-e40f-4571-b78e-ff5a3e6edd46" providerId="ADAL" clId="{5D0E05FA-14B5-4214-AF88-6436AAD9EAD4}" dt="2023-12-30T07:29:59.843" v="145" actId="478"/>
+          <ac:picMkLst>
+            <pc:docMk/>
+            <pc:sldMk cId="3164663766" sldId="265"/>
+            <ac:picMk id="5" creationId="{0D34D645-3FCD-AC70-B677-B3D1E3354FF3}"/>
+          </ac:picMkLst>
+        </pc:picChg>
+        <pc:picChg chg="add mod">
+          <ac:chgData name="Hili Levy" userId="628f2e07-e40f-4571-b78e-ff5a3e6edd46" providerId="ADAL" clId="{5D0E05FA-14B5-4214-AF88-6436AAD9EAD4}" dt="2023-12-30T07:30:03.212" v="148" actId="1076"/>
+          <ac:picMkLst>
+            <pc:docMk/>
+            <pc:sldMk cId="3164663766" sldId="265"/>
+            <ac:picMk id="7" creationId="{DD089DDE-9C76-95AD-2ECB-EB8BB1E54B68}"/>
+          </ac:picMkLst>
+        </pc:picChg>
+      </pc:sldChg>
+      <pc:sldChg chg="addSp delSp modSp mod modShow">
+        <pc:chgData name="Hili Levy" userId="628f2e07-e40f-4571-b78e-ff5a3e6edd46" providerId="ADAL" clId="{5D0E05FA-14B5-4214-AF88-6436AAD9EAD4}" dt="2023-12-30T07:32:49.901" v="197" actId="729"/>
+        <pc:sldMkLst>
+          <pc:docMk/>
+          <pc:sldMk cId="2647730443" sldId="268"/>
+        </pc:sldMkLst>
+        <pc:spChg chg="add del mod">
+          <ac:chgData name="Hili Levy" userId="628f2e07-e40f-4571-b78e-ff5a3e6edd46" providerId="ADAL" clId="{5D0E05FA-14B5-4214-AF88-6436AAD9EAD4}" dt="2023-12-30T07:32:47.544" v="196" actId="478"/>
+          <ac:spMkLst>
+            <pc:docMk/>
+            <pc:sldMk cId="2647730443" sldId="268"/>
+            <ac:spMk id="10" creationId="{92A87D62-9AD5-8927-BB39-B28F55C500BA}"/>
+          </ac:spMkLst>
+        </pc:spChg>
+        <pc:spChg chg="add del mod">
+          <ac:chgData name="Hili Levy" userId="628f2e07-e40f-4571-b78e-ff5a3e6edd46" providerId="ADAL" clId="{5D0E05FA-14B5-4214-AF88-6436AAD9EAD4}" dt="2023-12-30T07:32:46.556" v="195" actId="478"/>
+          <ac:spMkLst>
+            <pc:docMk/>
+            <pc:sldMk cId="2647730443" sldId="268"/>
+            <ac:spMk id="11" creationId="{D3CEA864-6619-033D-5600-88D235CE58B4}"/>
+          </ac:spMkLst>
+        </pc:spChg>
+      </pc:sldChg>
+      <pc:sldChg chg="add del">
+        <pc:chgData name="Hili Levy" userId="628f2e07-e40f-4571-b78e-ff5a3e6edd46" providerId="ADAL" clId="{5D0E05FA-14B5-4214-AF88-6436AAD9EAD4}" dt="2023-12-30T07:30:47.945" v="156" actId="2696"/>
+        <pc:sldMkLst>
+          <pc:docMk/>
+          <pc:sldMk cId="1545959344" sldId="269"/>
+        </pc:sldMkLst>
+      </pc:sldChg>
+      <pc:sldChg chg="delSp add del mod ord">
+        <pc:chgData name="Hili Levy" userId="628f2e07-e40f-4571-b78e-ff5a3e6edd46" providerId="ADAL" clId="{5D0E05FA-14B5-4214-AF88-6436AAD9EAD4}" dt="2023-12-30T07:27:30.696" v="120" actId="2696"/>
+        <pc:sldMkLst>
+          <pc:docMk/>
+          <pc:sldMk cId="2261526900" sldId="269"/>
+        </pc:sldMkLst>
+        <pc:picChg chg="del">
+          <ac:chgData name="Hili Levy" userId="628f2e07-e40f-4571-b78e-ff5a3e6edd46" providerId="ADAL" clId="{5D0E05FA-14B5-4214-AF88-6436AAD9EAD4}" dt="2023-12-30T07:24:48.251" v="76" actId="478"/>
+          <ac:picMkLst>
+            <pc:docMk/>
+            <pc:sldMk cId="2261526900" sldId="269"/>
+            <ac:picMk id="45" creationId="{E7002EFE-91DD-E7F0-ECC3-6D6E039094B3}"/>
+          </ac:picMkLst>
+        </pc:picChg>
+        <pc:picChg chg="del">
+          <ac:chgData name="Hili Levy" userId="628f2e07-e40f-4571-b78e-ff5a3e6edd46" providerId="ADAL" clId="{5D0E05FA-14B5-4214-AF88-6436AAD9EAD4}" dt="2023-12-30T07:24:48.784" v="77" actId="478"/>
+          <ac:picMkLst>
+            <pc:docMk/>
+            <pc:sldMk cId="2261526900" sldId="269"/>
+            <ac:picMk id="46" creationId="{0818B4AF-2634-A802-1B8E-EC6A01230AF2}"/>
+          </ac:picMkLst>
+        </pc:picChg>
+      </pc:sldChg>
+      <pc:sldChg chg="add del">
+        <pc:chgData name="Hili Levy" userId="628f2e07-e40f-4571-b78e-ff5a3e6edd46" providerId="ADAL" clId="{5D0E05FA-14B5-4214-AF88-6436AAD9EAD4}" dt="2023-12-30T07:27:26.600" v="119" actId="2696"/>
+        <pc:sldMkLst>
+          <pc:docMk/>
+          <pc:sldMk cId="1213265531" sldId="270"/>
+        </pc:sldMkLst>
+      </pc:sldChg>
+      <pc:sldChg chg="add del">
+        <pc:chgData name="Hili Levy" userId="628f2e07-e40f-4571-b78e-ff5a3e6edd46" providerId="ADAL" clId="{5D0E05FA-14B5-4214-AF88-6436AAD9EAD4}" dt="2023-12-30T07:25:22.521" v="82" actId="2890"/>
+        <pc:sldMkLst>
+          <pc:docMk/>
+          <pc:sldMk cId="1772440012" sldId="270"/>
+        </pc:sldMkLst>
+      </pc:sldChg>
+      <pc:sldChg chg="addSp delSp add mod">
+        <pc:chgData name="Hili Levy" userId="628f2e07-e40f-4571-b78e-ff5a3e6edd46" providerId="ADAL" clId="{5D0E05FA-14B5-4214-AF88-6436AAD9EAD4}" dt="2023-12-30T07:30:21.282" v="151" actId="22"/>
+        <pc:sldMkLst>
+          <pc:docMk/>
+          <pc:sldMk cId="2447109962" sldId="270"/>
+        </pc:sldMkLst>
+        <pc:picChg chg="add">
+          <ac:chgData name="Hili Levy" userId="628f2e07-e40f-4571-b78e-ff5a3e6edd46" providerId="ADAL" clId="{5D0E05FA-14B5-4214-AF88-6436AAD9EAD4}" dt="2023-12-30T07:30:21.282" v="151" actId="22"/>
+          <ac:picMkLst>
+            <pc:docMk/>
+            <pc:sldMk cId="2447109962" sldId="270"/>
+            <ac:picMk id="4" creationId="{2268C968-61D2-1BA1-29F4-AF90E3686B39}"/>
+          </ac:picMkLst>
+        </pc:picChg>
+        <pc:picChg chg="del">
+          <ac:chgData name="Hili Levy" userId="628f2e07-e40f-4571-b78e-ff5a3e6edd46" providerId="ADAL" clId="{5D0E05FA-14B5-4214-AF88-6436AAD9EAD4}" dt="2023-12-30T07:30:20.957" v="150" actId="478"/>
+          <ac:picMkLst>
+            <pc:docMk/>
+            <pc:sldMk cId="2447109962" sldId="270"/>
+            <ac:picMk id="7" creationId="{DD089DDE-9C76-95AD-2ECB-EB8BB1E54B68}"/>
+          </ac:picMkLst>
+        </pc:picChg>
+      </pc:sldChg>
+      <pc:sldChg chg="addSp delSp modSp add mod">
+        <pc:chgData name="Hili Levy" userId="628f2e07-e40f-4571-b78e-ff5a3e6edd46" providerId="ADAL" clId="{5D0E05FA-14B5-4214-AF88-6436AAD9EAD4}" dt="2023-12-30T07:30:43.163" v="155" actId="1076"/>
+        <pc:sldMkLst>
+          <pc:docMk/>
+          <pc:sldMk cId="4004972449" sldId="271"/>
+        </pc:sldMkLst>
+        <pc:picChg chg="del">
+          <ac:chgData name="Hili Levy" userId="628f2e07-e40f-4571-b78e-ff5a3e6edd46" providerId="ADAL" clId="{5D0E05FA-14B5-4214-AF88-6436AAD9EAD4}" dt="2023-12-30T07:30:41.813" v="153" actId="478"/>
+          <ac:picMkLst>
+            <pc:docMk/>
+            <pc:sldMk cId="4004972449" sldId="271"/>
+            <ac:picMk id="4" creationId="{2268C968-61D2-1BA1-29F4-AF90E3686B39}"/>
+          </ac:picMkLst>
+        </pc:picChg>
+        <pc:picChg chg="add mod">
+          <ac:chgData name="Hili Levy" userId="628f2e07-e40f-4571-b78e-ff5a3e6edd46" providerId="ADAL" clId="{5D0E05FA-14B5-4214-AF88-6436AAD9EAD4}" dt="2023-12-30T07:30:43.163" v="155" actId="1076"/>
+          <ac:picMkLst>
+            <pc:docMk/>
+            <pc:sldMk cId="4004972449" sldId="271"/>
+            <ac:picMk id="5" creationId="{FAEB587B-C771-CCF6-9946-52452FB95F5A}"/>
+          </ac:picMkLst>
+        </pc:picChg>
+      </pc:sldChg>
+      <pc:sldChg chg="addSp delSp modSp add mod">
+        <pc:chgData name="Hili Levy" userId="628f2e07-e40f-4571-b78e-ff5a3e6edd46" providerId="ADAL" clId="{5D0E05FA-14B5-4214-AF88-6436AAD9EAD4}" dt="2023-12-30T07:34:11.138" v="238" actId="478"/>
+        <pc:sldMkLst>
+          <pc:docMk/>
+          <pc:sldMk cId="1690326894" sldId="272"/>
+        </pc:sldMkLst>
+        <pc:spChg chg="del">
+          <ac:chgData name="Hili Levy" userId="628f2e07-e40f-4571-b78e-ff5a3e6edd46" providerId="ADAL" clId="{5D0E05FA-14B5-4214-AF88-6436AAD9EAD4}" dt="2023-12-30T07:32:57.488" v="200" actId="478"/>
+          <ac:spMkLst>
+            <pc:docMk/>
+            <pc:sldMk cId="1690326894" sldId="272"/>
+            <ac:spMk id="5" creationId="{B919389D-3207-EE93-A7E3-9DC393AFABFC}"/>
+          </ac:spMkLst>
+        </pc:spChg>
+        <pc:spChg chg="del mod">
+          <ac:chgData name="Hili Levy" userId="628f2e07-e40f-4571-b78e-ff5a3e6edd46" providerId="ADAL" clId="{5D0E05FA-14B5-4214-AF88-6436AAD9EAD4}" dt="2023-12-30T07:33:00.308" v="202" actId="478"/>
+          <ac:spMkLst>
+            <pc:docMk/>
+            <pc:sldMk cId="1690326894" sldId="272"/>
+            <ac:spMk id="9" creationId="{6F3E2F14-CFD1-9919-19B4-0CEA0042AB94}"/>
+          </ac:spMkLst>
+        </pc:spChg>
+        <pc:spChg chg="mod">
+          <ac:chgData name="Hili Levy" userId="628f2e07-e40f-4571-b78e-ff5a3e6edd46" providerId="ADAL" clId="{5D0E05FA-14B5-4214-AF88-6436AAD9EAD4}" dt="2023-12-30T07:33:43.791" v="233" actId="1076"/>
+          <ac:spMkLst>
+            <pc:docMk/>
+            <pc:sldMk cId="1690326894" sldId="272"/>
+            <ac:spMk id="10" creationId="{92A87D62-9AD5-8927-BB39-B28F55C500BA}"/>
+          </ac:spMkLst>
+        </pc:spChg>
+        <pc:spChg chg="mod">
+          <ac:chgData name="Hili Levy" userId="628f2e07-e40f-4571-b78e-ff5a3e6edd46" providerId="ADAL" clId="{5D0E05FA-14B5-4214-AF88-6436AAD9EAD4}" dt="2023-12-30T07:33:42.105" v="232" actId="1076"/>
+          <ac:spMkLst>
+            <pc:docMk/>
+            <pc:sldMk cId="1690326894" sldId="272"/>
+            <ac:spMk id="11" creationId="{D3CEA864-6619-033D-5600-88D235CE58B4}"/>
+          </ac:spMkLst>
+        </pc:spChg>
+        <pc:spChg chg="add del mod">
+          <ac:chgData name="Hili Levy" userId="628f2e07-e40f-4571-b78e-ff5a3e6edd46" providerId="ADAL" clId="{5D0E05FA-14B5-4214-AF88-6436AAD9EAD4}" dt="2023-12-30T07:34:11.138" v="238" actId="478"/>
+          <ac:spMkLst>
+            <pc:docMk/>
+            <pc:sldMk cId="1690326894" sldId="272"/>
+            <ac:spMk id="12" creationId="{CF16EE62-A17E-4360-2F7B-F42073184FB0}"/>
+          </ac:spMkLst>
+        </pc:spChg>
+        <pc:picChg chg="del mod">
+          <ac:chgData name="Hili Levy" userId="628f2e07-e40f-4571-b78e-ff5a3e6edd46" providerId="ADAL" clId="{5D0E05FA-14B5-4214-AF88-6436AAD9EAD4}" dt="2023-12-30T07:33:00.798" v="203" actId="478"/>
+          <ac:picMkLst>
+            <pc:docMk/>
+            <pc:sldMk cId="1690326894" sldId="272"/>
+            <ac:picMk id="4" creationId="{DA151CA9-114D-6278-26B3-3A7EFF57E445}"/>
+          </ac:picMkLst>
+        </pc:picChg>
+        <pc:picChg chg="del">
+          <ac:chgData name="Hili Levy" userId="628f2e07-e40f-4571-b78e-ff5a3e6edd46" providerId="ADAL" clId="{5D0E05FA-14B5-4214-AF88-6436AAD9EAD4}" dt="2023-12-30T07:32:57.488" v="200" actId="478"/>
+          <ac:picMkLst>
+            <pc:docMk/>
+            <pc:sldMk cId="1690326894" sldId="272"/>
+            <ac:picMk id="6" creationId="{E0116668-9271-5CB1-A6B0-E1391478D6C0}"/>
+          </ac:picMkLst>
+        </pc:picChg>
+        <pc:picChg chg="del">
+          <ac:chgData name="Hili Levy" userId="628f2e07-e40f-4571-b78e-ff5a3e6edd46" providerId="ADAL" clId="{5D0E05FA-14B5-4214-AF88-6436AAD9EAD4}" dt="2023-12-30T07:32:57.488" v="200" actId="478"/>
+          <ac:picMkLst>
+            <pc:docMk/>
+            <pc:sldMk cId="1690326894" sldId="272"/>
+            <ac:picMk id="7" creationId="{F7145C58-2580-972F-6798-F02F3BB48FEF}"/>
+          </ac:picMkLst>
+        </pc:picChg>
+        <pc:picChg chg="del">
+          <ac:chgData name="Hili Levy" userId="628f2e07-e40f-4571-b78e-ff5a3e6edd46" providerId="ADAL" clId="{5D0E05FA-14B5-4214-AF88-6436AAD9EAD4}" dt="2023-12-30T07:32:57.488" v="200" actId="478"/>
+          <ac:picMkLst>
+            <pc:docMk/>
+            <pc:sldMk cId="1690326894" sldId="272"/>
+            <ac:picMk id="8" creationId="{C7581740-B84C-FE3F-316B-B3B85ACA6898}"/>
+          </ac:picMkLst>
+        </pc:picChg>
+      </pc:sldChg>
+      <pc:sldChg chg="add del">
+        <pc:chgData name="Hili Levy" userId="628f2e07-e40f-4571-b78e-ff5a3e6edd46" providerId="ADAL" clId="{5D0E05FA-14B5-4214-AF88-6436AAD9EAD4}" dt="2023-12-30T07:36:39.859" v="271" actId="2696"/>
+        <pc:sldMkLst>
+          <pc:docMk/>
+          <pc:sldMk cId="278170342" sldId="273"/>
+        </pc:sldMkLst>
+      </pc:sldChg>
+    </pc:docChg>
+  </pc:docChgLst>
+</pc:chgInfo>
 </file>
 
 <file path=ppt/notesMasters/notesMaster1.xml><?xml version="1.0" encoding="utf-8"?>
@@ -648,6 +1015,92 @@
             </a:pPr>
             <a:r>
               <a:rPr lang="en-US" dirty="0"/>
+              <a:t>We won’t teach you Linux; but we want you to be comfortable using it.</a:t>
+            </a:r>
+          </a:p>
+          <a:p>
+            <a:pPr marL="0" marR="0" lvl="0" indent="0" algn="l" defTabSz="914400" rtl="0" eaLnBrk="1" fontAlgn="auto" latinLnBrk="0" hangingPunct="1">
+              <a:lnSpc>
+                <a:spcPct val="100000"/>
+              </a:lnSpc>
+              <a:spcBef>
+                <a:spcPts val="0"/>
+              </a:spcBef>
+              <a:spcAft>
+                <a:spcPts val="0"/>
+              </a:spcAft>
+              <a:buClrTx/>
+              <a:buSzTx/>
+              <a:buFontTx/>
+              <a:buNone/>
+              <a:tabLst/>
+              <a:defRPr/>
+            </a:pPr>
+            <a:r>
+              <a:rPr lang="en-US" dirty="0"/>
+              <a:t>CS Courses: Introduction to Systems Programming, Operating Systems, Computer Organization</a:t>
+            </a:r>
+          </a:p>
+          <a:p>
+            <a:pPr marL="0" marR="0" lvl="0" indent="0" algn="l" defTabSz="914400" rtl="0" eaLnBrk="1" fontAlgn="auto" latinLnBrk="0" hangingPunct="1">
+              <a:lnSpc>
+                <a:spcPct val="100000"/>
+              </a:lnSpc>
+              <a:spcBef>
+                <a:spcPts val="0"/>
+              </a:spcBef>
+              <a:spcAft>
+                <a:spcPts val="0"/>
+              </a:spcAft>
+              <a:buClrTx/>
+              <a:buSzTx/>
+              <a:buFontTx/>
+              <a:buNone/>
+              <a:tabLst/>
+              <a:defRPr/>
+            </a:pPr>
+            <a:endParaRPr lang="en-US" dirty="0"/>
+          </a:p>
+          <a:p>
+            <a:pPr marL="0" marR="0" lvl="0" indent="0" algn="l" defTabSz="914400" rtl="0" eaLnBrk="1" fontAlgn="auto" latinLnBrk="0" hangingPunct="1">
+              <a:lnSpc>
+                <a:spcPct val="100000"/>
+              </a:lnSpc>
+              <a:spcBef>
+                <a:spcPts val="0"/>
+              </a:spcBef>
+              <a:spcAft>
+                <a:spcPts val="0"/>
+              </a:spcAft>
+              <a:buClrTx/>
+              <a:buSzTx/>
+              <a:buFontTx/>
+              <a:buNone/>
+              <a:tabLst/>
+              <a:defRPr/>
+            </a:pPr>
+            <a:endParaRPr lang="en-US" dirty="0"/>
+          </a:p>
+          <a:p>
+            <a:pPr marL="0" marR="0" lvl="0" indent="0" algn="l" defTabSz="914400" rtl="0" eaLnBrk="1" fontAlgn="auto" latinLnBrk="0" hangingPunct="1">
+              <a:lnSpc>
+                <a:spcPct val="100000"/>
+              </a:lnSpc>
+              <a:spcBef>
+                <a:spcPts val="0"/>
+              </a:spcBef>
+              <a:spcAft>
+                <a:spcPts val="0"/>
+              </a:spcAft>
+              <a:buClrTx/>
+              <a:buSzTx/>
+              <a:buFontTx/>
+              <a:buNone/>
+              <a:tabLst/>
+              <a:defRPr/>
+            </a:pPr>
+            <a:r>
+              <a:rPr lang="en-US" dirty="0"/>
               <a:t>We don’t want you to install anything yet; for now we recommend using the </a:t>
             </a:r>
             <a:r>
@@ -839,27 +1292,131 @@
           <a:bodyPr/>
           <a:lstStyle/>
           <a:p>
+            <a:pPr marL="0" marR="0" lvl="0" indent="0" algn="l" defTabSz="914400" rtl="0" eaLnBrk="1" fontAlgn="auto" latinLnBrk="0" hangingPunct="1">
+              <a:lnSpc>
+                <a:spcPct val="100000"/>
+              </a:lnSpc>
+              <a:spcBef>
+                <a:spcPts val="0"/>
+              </a:spcBef>
+              <a:spcAft>
+                <a:spcPts val="0"/>
+              </a:spcAft>
+              <a:buClrTx/>
+              <a:buSzTx/>
+              <a:buFontTx/>
+              <a:buNone/>
+              <a:tabLst/>
+              <a:defRPr/>
+            </a:pPr>
+            <a:r>
+              <a:rPr lang="en-US" dirty="0"/>
+              <a:t>We don’t want you to install anything yet; for now we recommend using the </a:t>
+            </a:r>
+            <a:r>
+              <a:rPr lang="en-US" dirty="0" err="1"/>
+              <a:t>webshell</a:t>
+            </a:r>
+            <a:r>
+              <a:rPr lang="en-US" dirty="0"/>
+              <a:t> in </a:t>
+            </a:r>
+            <a:r>
+              <a:rPr lang="en-US" dirty="0" err="1"/>
+              <a:t>picoCTF</a:t>
+            </a:r>
+            <a:r>
+              <a:rPr lang="en-US" dirty="0"/>
+              <a:t>.</a:t>
+            </a:r>
+          </a:p>
+          <a:p>
+            <a:pPr marL="0" marR="0" lvl="0" indent="0" algn="l" defTabSz="914400" rtl="0" eaLnBrk="1" fontAlgn="auto" latinLnBrk="0" hangingPunct="1">
+              <a:lnSpc>
+                <a:spcPct val="100000"/>
+              </a:lnSpc>
+              <a:spcBef>
+                <a:spcPts val="0"/>
+              </a:spcBef>
+              <a:spcAft>
+                <a:spcPts val="0"/>
+              </a:spcAft>
+              <a:buClrTx/>
+              <a:buSzTx/>
+              <a:buFontTx/>
+              <a:buNone/>
+              <a:tabLst/>
+              <a:defRPr/>
+            </a:pPr>
+            <a:endParaRPr lang="en-US" dirty="0"/>
+          </a:p>
+          <a:p>
+            <a:pPr marL="0" marR="0" lvl="0" indent="0" algn="l" defTabSz="914400" rtl="0" eaLnBrk="1" fontAlgn="auto" latinLnBrk="0" hangingPunct="1">
+              <a:lnSpc>
+                <a:spcPct val="100000"/>
+              </a:lnSpc>
+              <a:spcBef>
+                <a:spcPts val="0"/>
+              </a:spcBef>
+              <a:spcAft>
+                <a:spcPts val="0"/>
+              </a:spcAft>
+              <a:buClrTx/>
+              <a:buSzTx/>
+              <a:buFontTx/>
+              <a:buNone/>
+              <a:tabLst/>
+              <a:defRPr/>
+            </a:pPr>
             <a:r>
               <a:rPr lang="en-US" dirty="0"/>
               <a:t>https://webshell.picoctf.org/</a:t>
             </a:r>
           </a:p>
           <a:p>
-            <a:endParaRPr lang="en-US" dirty="0"/>
+            <a:pPr marL="0" marR="0" lvl="0" indent="0" algn="l" defTabSz="914400" rtl="0" eaLnBrk="1" fontAlgn="auto" latinLnBrk="0" hangingPunct="1">
+              <a:lnSpc>
+                <a:spcPct val="100000"/>
+              </a:lnSpc>
+              <a:spcBef>
+                <a:spcPts val="0"/>
+              </a:spcBef>
+              <a:spcAft>
+                <a:spcPts val="0"/>
+              </a:spcAft>
+              <a:buClrTx/>
+              <a:buSzTx/>
+              <a:buFontTx/>
+              <a:buNone/>
+              <a:tabLst/>
+              <a:defRPr/>
+            </a:pPr>
+            <a:endParaRPr lang="he-IL" dirty="0"/>
           </a:p>
           <a:p>
             <a:r>
               <a:rPr lang="en-US" dirty="0"/>
-              <a:t>https://play.picoctf.org/practice/challenge/147?page=1</a:t>
-            </a:r>
-          </a:p>
-          <a:p>
-            <a:endParaRPr lang="en-US" dirty="0"/>
-          </a:p>
-          <a:p>
+              <a:t>Common commands: </a:t>
+            </a:r>
+            <a:r>
+              <a:rPr lang="en-US" dirty="0" err="1"/>
+              <a:t>pwd</a:t>
+            </a:r>
             <a:r>
               <a:rPr lang="en-US" dirty="0"/>
-              <a:t>Will try to do live, this is backup in case it fails.</a:t>
+              <a:t>, cd, ls, cat, file, grep, </a:t>
+            </a:r>
+            <a:r>
+              <a:rPr lang="en-US" dirty="0" err="1"/>
+              <a:t>chmod</a:t>
+            </a:r>
+            <a:r>
+              <a:rPr lang="en-US" dirty="0"/>
+              <a:t>, </a:t>
+            </a:r>
+            <a:r>
+              <a:rPr lang="en-US" dirty="0" err="1"/>
+              <a:t>wget</a:t>
             </a:r>
             <a:endParaRPr lang="he-IL" dirty="0"/>
           </a:p>
@@ -882,7 +1439,7 @@
           <a:p>
             <a:fld id="{59CF54CE-B807-413D-ACF4-907C98A6A46D}" type="slidenum">
               <a:rPr lang="he-IL" smtClean="0"/>
-              <a:t>12</a:t>
+              <a:t>11</a:t>
             </a:fld>
             <a:endParaRPr lang="he-IL"/>
           </a:p>
@@ -891,7 +1448,7 @@
     </p:spTree>
     <p:extLst>
       <p:ext uri="{BB962C8B-B14F-4D97-AF65-F5344CB8AC3E}">
-        <p14:creationId xmlns:p14="http://schemas.microsoft.com/office/powerpoint/2010/main" val="2903943565"/>
+        <p14:creationId xmlns:p14="http://schemas.microsoft.com/office/powerpoint/2010/main" val="2741207311"/>
       </p:ext>
     </p:extLst>
   </p:cSld>
@@ -945,6 +1502,322 @@
           <a:bodyPr/>
           <a:lstStyle/>
           <a:p>
+            <a:pPr marL="0" marR="0" lvl="0" indent="0" algn="l" defTabSz="914400" rtl="0" eaLnBrk="1" fontAlgn="auto" latinLnBrk="0" hangingPunct="1">
+              <a:lnSpc>
+                <a:spcPct val="100000"/>
+              </a:lnSpc>
+              <a:spcBef>
+                <a:spcPts val="0"/>
+              </a:spcBef>
+              <a:spcAft>
+                <a:spcPts val="0"/>
+              </a:spcAft>
+              <a:buClrTx/>
+              <a:buSzTx/>
+              <a:buFontTx/>
+              <a:buNone/>
+              <a:tabLst/>
+              <a:defRPr/>
+            </a:pPr>
+            <a:r>
+              <a:rPr lang="en-US" dirty="0"/>
+              <a:t>We don’t want you to install anything yet; for now we recommend using the </a:t>
+            </a:r>
+            <a:r>
+              <a:rPr lang="en-US" dirty="0" err="1"/>
+              <a:t>webshell</a:t>
+            </a:r>
+            <a:r>
+              <a:rPr lang="en-US" dirty="0"/>
+              <a:t> in </a:t>
+            </a:r>
+            <a:r>
+              <a:rPr lang="en-US" dirty="0" err="1"/>
+              <a:t>picoCTF</a:t>
+            </a:r>
+            <a:r>
+              <a:rPr lang="en-US" dirty="0"/>
+              <a:t>.</a:t>
+            </a:r>
+          </a:p>
+          <a:p>
+            <a:pPr marL="0" marR="0" lvl="0" indent="0" algn="l" defTabSz="914400" rtl="0" eaLnBrk="1" fontAlgn="auto" latinLnBrk="0" hangingPunct="1">
+              <a:lnSpc>
+                <a:spcPct val="100000"/>
+              </a:lnSpc>
+              <a:spcBef>
+                <a:spcPts val="0"/>
+              </a:spcBef>
+              <a:spcAft>
+                <a:spcPts val="0"/>
+              </a:spcAft>
+              <a:buClrTx/>
+              <a:buSzTx/>
+              <a:buFontTx/>
+              <a:buNone/>
+              <a:tabLst/>
+              <a:defRPr/>
+            </a:pPr>
+            <a:endParaRPr lang="en-US" dirty="0"/>
+          </a:p>
+          <a:p>
+            <a:pPr marL="0" marR="0" lvl="0" indent="0" algn="l" defTabSz="914400" rtl="0" eaLnBrk="1" fontAlgn="auto" latinLnBrk="0" hangingPunct="1">
+              <a:lnSpc>
+                <a:spcPct val="100000"/>
+              </a:lnSpc>
+              <a:spcBef>
+                <a:spcPts val="0"/>
+              </a:spcBef>
+              <a:spcAft>
+                <a:spcPts val="0"/>
+              </a:spcAft>
+              <a:buClrTx/>
+              <a:buSzTx/>
+              <a:buFontTx/>
+              <a:buNone/>
+              <a:tabLst/>
+              <a:defRPr/>
+            </a:pPr>
+            <a:r>
+              <a:rPr lang="en-US" dirty="0"/>
+              <a:t>https://webshell.picoctf.org/</a:t>
+            </a:r>
+          </a:p>
+          <a:p>
+            <a:pPr marL="0" marR="0" lvl="0" indent="0" algn="l" defTabSz="914400" rtl="0" eaLnBrk="1" fontAlgn="auto" latinLnBrk="0" hangingPunct="1">
+              <a:lnSpc>
+                <a:spcPct val="100000"/>
+              </a:lnSpc>
+              <a:spcBef>
+                <a:spcPts val="0"/>
+              </a:spcBef>
+              <a:spcAft>
+                <a:spcPts val="0"/>
+              </a:spcAft>
+              <a:buClrTx/>
+              <a:buSzTx/>
+              <a:buFontTx/>
+              <a:buNone/>
+              <a:tabLst/>
+              <a:defRPr/>
+            </a:pPr>
+            <a:endParaRPr lang="he-IL" dirty="0"/>
+          </a:p>
+          <a:p>
+            <a:r>
+              <a:rPr lang="en-US" dirty="0"/>
+              <a:t>Common commands: </a:t>
+            </a:r>
+            <a:r>
+              <a:rPr lang="en-US" dirty="0" err="1"/>
+              <a:t>pwd</a:t>
+            </a:r>
+            <a:r>
+              <a:rPr lang="en-US" dirty="0"/>
+              <a:t>, cd, ls, cat, file, grep, </a:t>
+            </a:r>
+            <a:r>
+              <a:rPr lang="en-US" dirty="0" err="1"/>
+              <a:t>chmod</a:t>
+            </a:r>
+            <a:r>
+              <a:rPr lang="en-US" dirty="0"/>
+              <a:t>, </a:t>
+            </a:r>
+            <a:r>
+              <a:rPr lang="en-US" dirty="0" err="1"/>
+              <a:t>wget</a:t>
+            </a:r>
+            <a:endParaRPr lang="he-IL" dirty="0"/>
+          </a:p>
+        </p:txBody>
+      </p:sp>
+      <p:sp>
+        <p:nvSpPr>
+          <p:cNvPr id="4" name="Slide Number Placeholder 3"/>
+          <p:cNvSpPr>
+            <a:spLocks noGrp="1"/>
+          </p:cNvSpPr>
+          <p:nvPr>
+            <p:ph type="sldNum" sz="quarter" idx="5"/>
+          </p:nvPr>
+        </p:nvSpPr>
+        <p:spPr/>
+        <p:txBody>
+          <a:bodyPr/>
+          <a:lstStyle/>
+          <a:p>
+            <a:fld id="{59CF54CE-B807-413D-ACF4-907C98A6A46D}" type="slidenum">
+              <a:rPr lang="he-IL" smtClean="0"/>
+              <a:t>12</a:t>
+            </a:fld>
+            <a:endParaRPr lang="he-IL"/>
+          </a:p>
+        </p:txBody>
+      </p:sp>
+    </p:spTree>
+    <p:extLst>
+      <p:ext uri="{BB962C8B-B14F-4D97-AF65-F5344CB8AC3E}">
+        <p14:creationId xmlns:p14="http://schemas.microsoft.com/office/powerpoint/2010/main" val="2993092659"/>
+      </p:ext>
+    </p:extLst>
+  </p:cSld>
+  <p:clrMapOvr>
+    <a:masterClrMapping/>
+  </p:clrMapOvr>
+</p:notes>
+</file>
+
+<file path=ppt/notesSlides/notesSlide13.xml><?xml version="1.0" encoding="utf-8"?>
+<p:notes xmlns:a="http://schemas.openxmlformats.org/drawingml/2006/main" xmlns:r="http://schemas.openxmlformats.org/officeDocument/2006/relationships" xmlns:p="http://schemas.openxmlformats.org/presentationml/2006/main">
+  <p:cSld>
+    <p:spTree>
+      <p:nvGrpSpPr>
+        <p:cNvPr id="1" name=""/>
+        <p:cNvGrpSpPr/>
+        <p:nvPr/>
+      </p:nvGrpSpPr>
+      <p:grpSpPr>
+        <a:xfrm>
+          <a:off x="0" y="0"/>
+          <a:ext cx="0" cy="0"/>
+          <a:chOff x="0" y="0"/>
+          <a:chExt cx="0" cy="0"/>
+        </a:xfrm>
+      </p:grpSpPr>
+      <p:sp>
+        <p:nvSpPr>
+          <p:cNvPr id="2" name="Slide Image Placeholder 1"/>
+          <p:cNvSpPr>
+            <a:spLocks noGrp="1" noRot="1" noChangeAspect="1"/>
+          </p:cNvSpPr>
+          <p:nvPr>
+            <p:ph type="sldImg"/>
+          </p:nvPr>
+        </p:nvSpPr>
+        <p:spPr/>
+      </p:sp>
+      <p:sp>
+        <p:nvSpPr>
+          <p:cNvPr id="3" name="Notes Placeholder 2"/>
+          <p:cNvSpPr>
+            <a:spLocks noGrp="1"/>
+          </p:cNvSpPr>
+          <p:nvPr>
+            <p:ph type="body" idx="1"/>
+          </p:nvPr>
+        </p:nvSpPr>
+        <p:spPr/>
+        <p:txBody>
+          <a:bodyPr/>
+          <a:lstStyle/>
+          <a:p>
+            <a:r>
+              <a:rPr lang="en-US" dirty="0"/>
+              <a:t>https://webshell.picoctf.org/</a:t>
+            </a:r>
+          </a:p>
+          <a:p>
+            <a:endParaRPr lang="en-US" dirty="0"/>
+          </a:p>
+          <a:p>
+            <a:r>
+              <a:rPr lang="en-US" dirty="0"/>
+              <a:t>https://play.picoctf.org/practice/challenge/147?page=1</a:t>
+            </a:r>
+          </a:p>
+          <a:p>
+            <a:endParaRPr lang="en-US" dirty="0"/>
+          </a:p>
+          <a:p>
+            <a:r>
+              <a:rPr lang="en-US" dirty="0"/>
+              <a:t>Will try to do live, this is backup in case it fails.</a:t>
+            </a:r>
+            <a:endParaRPr lang="he-IL" dirty="0"/>
+          </a:p>
+        </p:txBody>
+      </p:sp>
+      <p:sp>
+        <p:nvSpPr>
+          <p:cNvPr id="4" name="Slide Number Placeholder 3"/>
+          <p:cNvSpPr>
+            <a:spLocks noGrp="1"/>
+          </p:cNvSpPr>
+          <p:nvPr>
+            <p:ph type="sldNum" sz="quarter" idx="5"/>
+          </p:nvPr>
+        </p:nvSpPr>
+        <p:spPr/>
+        <p:txBody>
+          <a:bodyPr/>
+          <a:lstStyle/>
+          <a:p>
+            <a:fld id="{59CF54CE-B807-413D-ACF4-907C98A6A46D}" type="slidenum">
+              <a:rPr lang="he-IL" smtClean="0"/>
+              <a:t>14</a:t>
+            </a:fld>
+            <a:endParaRPr lang="he-IL"/>
+          </a:p>
+        </p:txBody>
+      </p:sp>
+    </p:spTree>
+    <p:extLst>
+      <p:ext uri="{BB962C8B-B14F-4D97-AF65-F5344CB8AC3E}">
+        <p14:creationId xmlns:p14="http://schemas.microsoft.com/office/powerpoint/2010/main" val="2903943565"/>
+      </p:ext>
+    </p:extLst>
+  </p:cSld>
+  <p:clrMapOvr>
+    <a:masterClrMapping/>
+  </p:clrMapOvr>
+</p:notes>
+</file>
+
+<file path=ppt/notesSlides/notesSlide14.xml><?xml version="1.0" encoding="utf-8"?>
+<p:notes xmlns:a="http://schemas.openxmlformats.org/drawingml/2006/main" xmlns:r="http://schemas.openxmlformats.org/officeDocument/2006/relationships" xmlns:p="http://schemas.openxmlformats.org/presentationml/2006/main">
+  <p:cSld>
+    <p:spTree>
+      <p:nvGrpSpPr>
+        <p:cNvPr id="1" name=""/>
+        <p:cNvGrpSpPr/>
+        <p:nvPr/>
+      </p:nvGrpSpPr>
+      <p:grpSpPr>
+        <a:xfrm>
+          <a:off x="0" y="0"/>
+          <a:ext cx="0" cy="0"/>
+          <a:chOff x="0" y="0"/>
+          <a:chExt cx="0" cy="0"/>
+        </a:xfrm>
+      </p:grpSpPr>
+      <p:sp>
+        <p:nvSpPr>
+          <p:cNvPr id="2" name="Slide Image Placeholder 1"/>
+          <p:cNvSpPr>
+            <a:spLocks noGrp="1" noRot="1" noChangeAspect="1"/>
+          </p:cNvSpPr>
+          <p:nvPr>
+            <p:ph type="sldImg"/>
+          </p:nvPr>
+        </p:nvSpPr>
+        <p:spPr/>
+      </p:sp>
+      <p:sp>
+        <p:nvSpPr>
+          <p:cNvPr id="3" name="Notes Placeholder 2"/>
+          <p:cNvSpPr>
+            <a:spLocks noGrp="1"/>
+          </p:cNvSpPr>
+          <p:nvPr>
+            <p:ph type="body" idx="1"/>
+          </p:nvPr>
+        </p:nvSpPr>
+        <p:spPr/>
+        <p:txBody>
+          <a:bodyPr/>
+          <a:lstStyle/>
+          <a:p>
             <a:r>
               <a:rPr lang="en-US" dirty="0"/>
               <a:t>Each session, we will suggest one or more resources for you to practice.</a:t>
@@ -1016,7 +1889,7 @@
           <a:p>
             <a:fld id="{59CF54CE-B807-413D-ACF4-907C98A6A46D}" type="slidenum">
               <a:rPr lang="he-IL" smtClean="0"/>
-              <a:t>13</a:t>
+              <a:t>15</a:t>
             </a:fld>
             <a:endParaRPr lang="he-IL"/>
           </a:p>
@@ -1026,6 +1899,140 @@
     <p:extLst>
       <p:ext uri="{BB962C8B-B14F-4D97-AF65-F5344CB8AC3E}">
         <p14:creationId xmlns:p14="http://schemas.microsoft.com/office/powerpoint/2010/main" val="1594154638"/>
+      </p:ext>
+    </p:extLst>
+  </p:cSld>
+  <p:clrMapOvr>
+    <a:masterClrMapping/>
+  </p:clrMapOvr>
+</p:notes>
+</file>
+
+<file path=ppt/notesSlides/notesSlide15.xml><?xml version="1.0" encoding="utf-8"?>
+<p:notes xmlns:a="http://schemas.openxmlformats.org/drawingml/2006/main" xmlns:r="http://schemas.openxmlformats.org/officeDocument/2006/relationships" xmlns:p="http://schemas.openxmlformats.org/presentationml/2006/main">
+  <p:cSld>
+    <p:spTree>
+      <p:nvGrpSpPr>
+        <p:cNvPr id="1" name=""/>
+        <p:cNvGrpSpPr/>
+        <p:nvPr/>
+      </p:nvGrpSpPr>
+      <p:grpSpPr>
+        <a:xfrm>
+          <a:off x="0" y="0"/>
+          <a:ext cx="0" cy="0"/>
+          <a:chOff x="0" y="0"/>
+          <a:chExt cx="0" cy="0"/>
+        </a:xfrm>
+      </p:grpSpPr>
+      <p:sp>
+        <p:nvSpPr>
+          <p:cNvPr id="2" name="Slide Image Placeholder 1"/>
+          <p:cNvSpPr>
+            <a:spLocks noGrp="1" noRot="1" noChangeAspect="1"/>
+          </p:cNvSpPr>
+          <p:nvPr>
+            <p:ph type="sldImg"/>
+          </p:nvPr>
+        </p:nvSpPr>
+        <p:spPr/>
+      </p:sp>
+      <p:sp>
+        <p:nvSpPr>
+          <p:cNvPr id="3" name="Notes Placeholder 2"/>
+          <p:cNvSpPr>
+            <a:spLocks noGrp="1"/>
+          </p:cNvSpPr>
+          <p:nvPr>
+            <p:ph type="body" idx="1"/>
+          </p:nvPr>
+        </p:nvSpPr>
+        <p:spPr/>
+        <p:txBody>
+          <a:bodyPr/>
+          <a:lstStyle/>
+          <a:p>
+            <a:r>
+              <a:rPr lang="en-US" dirty="0"/>
+              <a:t>Each session, we will suggest one or more resources for you to practice.</a:t>
+            </a:r>
+          </a:p>
+          <a:p>
+            <a:endParaRPr lang="en-US" dirty="0"/>
+          </a:p>
+          <a:p>
+            <a:r>
+              <a:rPr lang="en-US" dirty="0" err="1"/>
+              <a:t>Picogym</a:t>
+            </a:r>
+            <a:r>
+              <a:rPr lang="en-US" dirty="0"/>
+              <a:t> – sign up to the </a:t>
+            </a:r>
+            <a:r>
+              <a:rPr lang="en-US" dirty="0" err="1"/>
+              <a:t>picoCTF</a:t>
+            </a:r>
+            <a:r>
+              <a:rPr lang="en-US" dirty="0"/>
+              <a:t> website; go to “practice”. Filter to the event “Beginner </a:t>
+            </a:r>
+            <a:r>
+              <a:rPr lang="en-US" dirty="0" err="1"/>
+              <a:t>picoMini</a:t>
+            </a:r>
+            <a:r>
+              <a:rPr lang="en-US" dirty="0"/>
+              <a:t> 2022” and go through the challenges (or filter to category “General Skills”).</a:t>
+            </a:r>
+          </a:p>
+          <a:p>
+            <a:endParaRPr lang="en-US" dirty="0"/>
+          </a:p>
+          <a:p>
+            <a:r>
+              <a:rPr lang="en-US" dirty="0"/>
+              <a:t>Bandit – go on the website and follow the instructions. You can use ssh on </a:t>
+            </a:r>
+            <a:r>
+              <a:rPr lang="en-US" dirty="0" err="1"/>
+              <a:t>powershell</a:t>
+            </a:r>
+            <a:r>
+              <a:rPr lang="en-US" dirty="0"/>
+              <a:t> without having to install anything.</a:t>
+            </a:r>
+            <a:endParaRPr lang="he-IL" dirty="0"/>
+          </a:p>
+        </p:txBody>
+      </p:sp>
+      <p:sp>
+        <p:nvSpPr>
+          <p:cNvPr id="4" name="Slide Number Placeholder 3"/>
+          <p:cNvSpPr>
+            <a:spLocks noGrp="1"/>
+          </p:cNvSpPr>
+          <p:nvPr>
+            <p:ph type="sldNum" sz="quarter" idx="5"/>
+          </p:nvPr>
+        </p:nvSpPr>
+        <p:spPr/>
+        <p:txBody>
+          <a:bodyPr/>
+          <a:lstStyle/>
+          <a:p>
+            <a:fld id="{59CF54CE-B807-413D-ACF4-907C98A6A46D}" type="slidenum">
+              <a:rPr lang="he-IL" smtClean="0"/>
+              <a:t>16</a:t>
+            </a:fld>
+            <a:endParaRPr lang="he-IL"/>
+          </a:p>
+        </p:txBody>
+      </p:sp>
+    </p:spTree>
+    <p:extLst>
+      <p:ext uri="{BB962C8B-B14F-4D97-AF65-F5344CB8AC3E}">
+        <p14:creationId xmlns:p14="http://schemas.microsoft.com/office/powerpoint/2010/main" val="2228858010"/>
       </p:ext>
     </p:extLst>
   </p:cSld>
@@ -5174,7 +6181,7 @@
           <a:p>
             <a:r>
               <a:rPr lang="en-US" dirty="0"/>
-              <a:t>Character Encoding, Linux</a:t>
+              <a:t>Character Encoding, Linux (Shell)</a:t>
             </a:r>
             <a:endParaRPr lang="he-IL" dirty="0"/>
           </a:p>
@@ -5233,7 +6240,7 @@
           <a:p>
             <a:r>
               <a:rPr lang="en-US" dirty="0"/>
-              <a:t>Linux</a:t>
+              <a:t>Linux Shell</a:t>
             </a:r>
             <a:endParaRPr lang="he-IL" dirty="0"/>
           </a:p>
@@ -5241,10 +6248,10 @@
       </p:sp>
       <p:pic>
         <p:nvPicPr>
-          <p:cNvPr id="4" name="Picture 3">
-            <a:extLst>
-              <a:ext uri="{FF2B5EF4-FFF2-40B4-BE49-F238E27FC236}">
-                <a16:creationId xmlns:a16="http://schemas.microsoft.com/office/drawing/2014/main" id="{B0B9D67D-4475-1F58-38AA-75C2A0EC7B3F}"/>
+          <p:cNvPr id="7" name="Picture 6">
+            <a:extLst>
+              <a:ext uri="{FF2B5EF4-FFF2-40B4-BE49-F238E27FC236}">
+                <a16:creationId xmlns:a16="http://schemas.microsoft.com/office/drawing/2014/main" id="{DD089DDE-9C76-95AD-2ECB-EB8BB1E54B68}"/>
               </a:ext>
             </a:extLst>
           </p:cNvPr>
@@ -5261,8 +6268,8 @@
         </p:blipFill>
         <p:spPr>
           <a:xfrm>
-            <a:off x="3052337" y="976885"/>
-            <a:ext cx="6087325" cy="5306165"/>
+            <a:off x="2418837" y="1482026"/>
+            <a:ext cx="7354326" cy="5010849"/>
           </a:xfrm>
           <a:prstGeom prst="rect">
             <a:avLst/>
@@ -5283,6 +6290,184 @@
 </file>
 
 <file path=ppt/slides/slide11.xml><?xml version="1.0" encoding="utf-8"?>
+<p:sld xmlns:a="http://schemas.openxmlformats.org/drawingml/2006/main" xmlns:r="http://schemas.openxmlformats.org/officeDocument/2006/relationships" xmlns:p="http://schemas.openxmlformats.org/presentationml/2006/main">
+  <p:cSld>
+    <p:spTree>
+      <p:nvGrpSpPr>
+        <p:cNvPr id="1" name=""/>
+        <p:cNvGrpSpPr/>
+        <p:nvPr/>
+      </p:nvGrpSpPr>
+      <p:grpSpPr>
+        <a:xfrm>
+          <a:off x="0" y="0"/>
+          <a:ext cx="0" cy="0"/>
+          <a:chOff x="0" y="0"/>
+          <a:chExt cx="0" cy="0"/>
+        </a:xfrm>
+      </p:grpSpPr>
+      <p:sp>
+        <p:nvSpPr>
+          <p:cNvPr id="2" name="Title 1">
+            <a:extLst>
+              <a:ext uri="{FF2B5EF4-FFF2-40B4-BE49-F238E27FC236}">
+                <a16:creationId xmlns:a16="http://schemas.microsoft.com/office/drawing/2014/main" id="{FAA96653-6F35-029D-F0A6-E03FB31E322D}"/>
+              </a:ext>
+            </a:extLst>
+          </p:cNvPr>
+          <p:cNvSpPr>
+            <a:spLocks noGrp="1"/>
+          </p:cNvSpPr>
+          <p:nvPr>
+            <p:ph type="title"/>
+          </p:nvPr>
+        </p:nvSpPr>
+        <p:spPr/>
+        <p:txBody>
+          <a:bodyPr/>
+          <a:lstStyle/>
+          <a:p>
+            <a:r>
+              <a:rPr lang="en-US" dirty="0"/>
+              <a:t>Linux Shell</a:t>
+            </a:r>
+            <a:endParaRPr lang="he-IL" dirty="0"/>
+          </a:p>
+        </p:txBody>
+      </p:sp>
+      <p:pic>
+        <p:nvPicPr>
+          <p:cNvPr id="4" name="Picture 3">
+            <a:extLst>
+              <a:ext uri="{FF2B5EF4-FFF2-40B4-BE49-F238E27FC236}">
+                <a16:creationId xmlns:a16="http://schemas.microsoft.com/office/drawing/2014/main" id="{2268C968-61D2-1BA1-29F4-AF90E3686B39}"/>
+              </a:ext>
+            </a:extLst>
+          </p:cNvPr>
+          <p:cNvPicPr>
+            <a:picLocks noChangeAspect="1"/>
+          </p:cNvPicPr>
+          <p:nvPr/>
+        </p:nvPicPr>
+        <p:blipFill>
+          <a:blip r:embed="rId3"/>
+          <a:stretch>
+            <a:fillRect/>
+          </a:stretch>
+        </p:blipFill>
+        <p:spPr>
+          <a:xfrm>
+            <a:off x="2604600" y="1847629"/>
+            <a:ext cx="6982799" cy="3162741"/>
+          </a:xfrm>
+          <a:prstGeom prst="rect">
+            <a:avLst/>
+          </a:prstGeom>
+        </p:spPr>
+      </p:pic>
+    </p:spTree>
+    <p:extLst>
+      <p:ext uri="{BB962C8B-B14F-4D97-AF65-F5344CB8AC3E}">
+        <p14:creationId xmlns:p14="http://schemas.microsoft.com/office/powerpoint/2010/main" val="2447109962"/>
+      </p:ext>
+    </p:extLst>
+  </p:cSld>
+  <p:clrMapOvr>
+    <a:masterClrMapping/>
+  </p:clrMapOvr>
+</p:sld>
+</file>
+
+<file path=ppt/slides/slide12.xml><?xml version="1.0" encoding="utf-8"?>
+<p:sld xmlns:a="http://schemas.openxmlformats.org/drawingml/2006/main" xmlns:r="http://schemas.openxmlformats.org/officeDocument/2006/relationships" xmlns:p="http://schemas.openxmlformats.org/presentationml/2006/main">
+  <p:cSld>
+    <p:spTree>
+      <p:nvGrpSpPr>
+        <p:cNvPr id="1" name=""/>
+        <p:cNvGrpSpPr/>
+        <p:nvPr/>
+      </p:nvGrpSpPr>
+      <p:grpSpPr>
+        <a:xfrm>
+          <a:off x="0" y="0"/>
+          <a:ext cx="0" cy="0"/>
+          <a:chOff x="0" y="0"/>
+          <a:chExt cx="0" cy="0"/>
+        </a:xfrm>
+      </p:grpSpPr>
+      <p:sp>
+        <p:nvSpPr>
+          <p:cNvPr id="2" name="Title 1">
+            <a:extLst>
+              <a:ext uri="{FF2B5EF4-FFF2-40B4-BE49-F238E27FC236}">
+                <a16:creationId xmlns:a16="http://schemas.microsoft.com/office/drawing/2014/main" id="{FAA96653-6F35-029D-F0A6-E03FB31E322D}"/>
+              </a:ext>
+            </a:extLst>
+          </p:cNvPr>
+          <p:cNvSpPr>
+            <a:spLocks noGrp="1"/>
+          </p:cNvSpPr>
+          <p:nvPr>
+            <p:ph type="title"/>
+          </p:nvPr>
+        </p:nvSpPr>
+        <p:spPr/>
+        <p:txBody>
+          <a:bodyPr/>
+          <a:lstStyle/>
+          <a:p>
+            <a:r>
+              <a:rPr lang="en-US" dirty="0"/>
+              <a:t>Linux Shell</a:t>
+            </a:r>
+            <a:endParaRPr lang="he-IL" dirty="0"/>
+          </a:p>
+        </p:txBody>
+      </p:sp>
+      <p:pic>
+        <p:nvPicPr>
+          <p:cNvPr id="5" name="Picture 4">
+            <a:extLst>
+              <a:ext uri="{FF2B5EF4-FFF2-40B4-BE49-F238E27FC236}">
+                <a16:creationId xmlns:a16="http://schemas.microsoft.com/office/drawing/2014/main" id="{FAEB587B-C771-CCF6-9946-52452FB95F5A}"/>
+              </a:ext>
+            </a:extLst>
+          </p:cNvPr>
+          <p:cNvPicPr>
+            <a:picLocks noChangeAspect="1"/>
+          </p:cNvPicPr>
+          <p:nvPr/>
+        </p:nvPicPr>
+        <p:blipFill>
+          <a:blip r:embed="rId3"/>
+          <a:stretch>
+            <a:fillRect/>
+          </a:stretch>
+        </p:blipFill>
+        <p:spPr>
+          <a:xfrm>
+            <a:off x="2375968" y="1834314"/>
+            <a:ext cx="7440063" cy="4305901"/>
+          </a:xfrm>
+          <a:prstGeom prst="rect">
+            <a:avLst/>
+          </a:prstGeom>
+        </p:spPr>
+      </p:pic>
+    </p:spTree>
+    <p:extLst>
+      <p:ext uri="{BB962C8B-B14F-4D97-AF65-F5344CB8AC3E}">
+        <p14:creationId xmlns:p14="http://schemas.microsoft.com/office/powerpoint/2010/main" val="4004972449"/>
+      </p:ext>
+    </p:extLst>
+  </p:cSld>
+  <p:clrMapOvr>
+    <a:masterClrMapping/>
+  </p:clrMapOvr>
+</p:sld>
+</file>
+
+<file path=ppt/slides/slide13.xml><?xml version="1.0" encoding="utf-8"?>
 <p:sld xmlns:a="http://schemas.openxmlformats.org/drawingml/2006/main" xmlns:r="http://schemas.openxmlformats.org/officeDocument/2006/relationships" xmlns:p="http://schemas.openxmlformats.org/presentationml/2006/main">
   <p:cSld>
     <p:spTree>
@@ -5376,7 +6561,7 @@
 </p:sld>
 </file>
 
-<file path=ppt/slides/slide12.xml><?xml version="1.0" encoding="utf-8"?>
+<file path=ppt/slides/slide14.xml><?xml version="1.0" encoding="utf-8"?>
 <p:sld xmlns:a="http://schemas.openxmlformats.org/drawingml/2006/main" xmlns:r="http://schemas.openxmlformats.org/officeDocument/2006/relationships" xmlns:p="http://schemas.openxmlformats.org/presentationml/2006/main">
   <p:cSld>
     <p:spTree>
@@ -5470,8 +6655,8 @@
 </p:sld>
 </file>
 
-<file path=ppt/slides/slide13.xml><?xml version="1.0" encoding="utf-8"?>
-<p:sld xmlns:a="http://schemas.openxmlformats.org/drawingml/2006/main" xmlns:r="http://schemas.openxmlformats.org/officeDocument/2006/relationships" xmlns:p="http://schemas.openxmlformats.org/presentationml/2006/main">
+<file path=ppt/slides/slide15.xml><?xml version="1.0" encoding="utf-8"?>
+<p:sld xmlns:a="http://schemas.openxmlformats.org/drawingml/2006/main" xmlns:r="http://schemas.openxmlformats.org/officeDocument/2006/relationships" xmlns:p="http://schemas.openxmlformats.org/presentationml/2006/main" show="0">
   <p:cSld>
     <p:spTree>
       <p:nvGrpSpPr>
@@ -5728,6 +6913,153 @@
     <p:extLst>
       <p:ext uri="{BB962C8B-B14F-4D97-AF65-F5344CB8AC3E}">
         <p14:creationId xmlns:p14="http://schemas.microsoft.com/office/powerpoint/2010/main" val="2647730443"/>
+      </p:ext>
+    </p:extLst>
+  </p:cSld>
+  <p:clrMapOvr>
+    <a:masterClrMapping/>
+  </p:clrMapOvr>
+</p:sld>
+</file>
+
+<file path=ppt/slides/slide16.xml><?xml version="1.0" encoding="utf-8"?>
+<p:sld xmlns:a="http://schemas.openxmlformats.org/drawingml/2006/main" xmlns:r="http://schemas.openxmlformats.org/officeDocument/2006/relationships" xmlns:p="http://schemas.openxmlformats.org/presentationml/2006/main">
+  <p:cSld>
+    <p:spTree>
+      <p:nvGrpSpPr>
+        <p:cNvPr id="1" name=""/>
+        <p:cNvGrpSpPr/>
+        <p:nvPr/>
+      </p:nvGrpSpPr>
+      <p:grpSpPr>
+        <a:xfrm>
+          <a:off x="0" y="0"/>
+          <a:ext cx="0" cy="0"/>
+          <a:chOff x="0" y="0"/>
+          <a:chExt cx="0" cy="0"/>
+        </a:xfrm>
+      </p:grpSpPr>
+      <p:sp>
+        <p:nvSpPr>
+          <p:cNvPr id="2" name="Title 1">
+            <a:extLst>
+              <a:ext uri="{FF2B5EF4-FFF2-40B4-BE49-F238E27FC236}">
+                <a16:creationId xmlns:a16="http://schemas.microsoft.com/office/drawing/2014/main" id="{D1DA83F1-DDB7-DE5D-A613-DFB965B9B09D}"/>
+              </a:ext>
+            </a:extLst>
+          </p:cNvPr>
+          <p:cNvSpPr>
+            <a:spLocks noGrp="1"/>
+          </p:cNvSpPr>
+          <p:nvPr>
+            <p:ph type="title"/>
+          </p:nvPr>
+        </p:nvSpPr>
+        <p:spPr/>
+        <p:txBody>
+          <a:bodyPr/>
+          <a:lstStyle/>
+          <a:p>
+            <a:r>
+              <a:rPr lang="en-US" dirty="0"/>
+              <a:t>Let’s practice!</a:t>
+            </a:r>
+            <a:endParaRPr lang="he-IL" dirty="0"/>
+          </a:p>
+        </p:txBody>
+      </p:sp>
+      <p:sp>
+        <p:nvSpPr>
+          <p:cNvPr id="10" name="TextBox 9">
+            <a:extLst>
+              <a:ext uri="{FF2B5EF4-FFF2-40B4-BE49-F238E27FC236}">
+                <a16:creationId xmlns:a16="http://schemas.microsoft.com/office/drawing/2014/main" id="{92A87D62-9AD5-8927-BB39-B28F55C500BA}"/>
+              </a:ext>
+            </a:extLst>
+          </p:cNvPr>
+          <p:cNvSpPr txBox="1"/>
+          <p:nvPr/>
+        </p:nvSpPr>
+        <p:spPr>
+          <a:xfrm>
+            <a:off x="3638351" y="3244334"/>
+            <a:ext cx="6232358" cy="369332"/>
+          </a:xfrm>
+          <a:prstGeom prst="rect">
+            <a:avLst/>
+          </a:prstGeom>
+          <a:noFill/>
+        </p:spPr>
+        <p:txBody>
+          <a:bodyPr wrap="square">
+            <a:spAutoFit/>
+          </a:bodyPr>
+          <a:lstStyle/>
+          <a:p>
+            <a:r>
+              <a:rPr lang="he-IL" dirty="0">
+                <a:hlinkClick r:id="rId3"/>
+              </a:rPr>
+              <a:t>https://cyanivde.github.io/technion-ctf/</a:t>
+            </a:r>
+            <a:endParaRPr lang="he-IL" dirty="0"/>
+          </a:p>
+        </p:txBody>
+      </p:sp>
+      <p:sp>
+        <p:nvSpPr>
+          <p:cNvPr id="11" name="Rectangle 10">
+            <a:extLst>
+              <a:ext uri="{FF2B5EF4-FFF2-40B4-BE49-F238E27FC236}">
+                <a16:creationId xmlns:a16="http://schemas.microsoft.com/office/drawing/2014/main" id="{D3CEA864-6619-033D-5600-88D235CE58B4}"/>
+              </a:ext>
+            </a:extLst>
+          </p:cNvPr>
+          <p:cNvSpPr/>
+          <p:nvPr/>
+        </p:nvSpPr>
+        <p:spPr>
+          <a:xfrm>
+            <a:off x="3638351" y="2035032"/>
+            <a:ext cx="3686475" cy="971596"/>
+          </a:xfrm>
+          <a:prstGeom prst="rect">
+            <a:avLst/>
+          </a:prstGeom>
+        </p:spPr>
+        <p:style>
+          <a:lnRef idx="2">
+            <a:schemeClr val="accent1">
+              <a:shade val="15000"/>
+            </a:schemeClr>
+          </a:lnRef>
+          <a:fillRef idx="1">
+            <a:schemeClr val="accent1"/>
+          </a:fillRef>
+          <a:effectRef idx="0">
+            <a:schemeClr val="accent1"/>
+          </a:effectRef>
+          <a:fontRef idx="minor">
+            <a:schemeClr val="lt1"/>
+          </a:fontRef>
+        </p:style>
+        <p:txBody>
+          <a:bodyPr rtlCol="1" anchor="ctr"/>
+          <a:lstStyle/>
+          <a:p>
+            <a:pPr algn="ctr"/>
+            <a:r>
+              <a:rPr lang="en-US" dirty="0"/>
+              <a:t>Temporary logo placeholder</a:t>
+            </a:r>
+            <a:endParaRPr lang="he-IL" dirty="0"/>
+          </a:p>
+        </p:txBody>
+      </p:sp>
+    </p:spTree>
+    <p:extLst>
+      <p:ext uri="{BB962C8B-B14F-4D97-AF65-F5344CB8AC3E}">
+        <p14:creationId xmlns:p14="http://schemas.microsoft.com/office/powerpoint/2010/main" val="1690326894"/>
       </p:ext>
     </p:extLst>
   </p:cSld>
@@ -5827,14 +7159,14 @@
           <p:nvPr>
             <p:extLst>
               <p:ext uri="{D42A27DB-BD31-4B8C-83A1-F6EECF244321}">
-                <p14:modId xmlns:p14="http://schemas.microsoft.com/office/powerpoint/2010/main" val="147917947"/>
+                <p14:modId xmlns:p14="http://schemas.microsoft.com/office/powerpoint/2010/main" val="136617825"/>
               </p:ext>
             </p:extLst>
           </p:nvPr>
         </p:nvGraphicFramePr>
         <p:xfrm>
-          <a:off x="1921853" y="2667298"/>
-          <a:ext cx="8128000" cy="1483360"/>
+          <a:off x="2738931" y="2687320"/>
+          <a:ext cx="6502400" cy="1483360"/>
         </p:xfrm>
         <a:graphic>
           <a:graphicData uri="http://schemas.openxmlformats.org/drawingml/2006/table">
@@ -5843,28 +7175,28 @@
                 <a:tableStyleId>{5C22544A-7EE6-4342-B048-85BDC9FD1C3A}</a:tableStyleId>
               </a:tblPr>
               <a:tblGrid>
-                <a:gridCol w="2032000">
+                <a:gridCol w="1625600">
                   <a:extLst>
                     <a:ext uri="{9D8B030D-6E8A-4147-A177-3AD203B41FA5}">
                       <a16:colId xmlns:a16="http://schemas.microsoft.com/office/drawing/2014/main" val="657372084"/>
                     </a:ext>
                   </a:extLst>
                 </a:gridCol>
-                <a:gridCol w="2032000">
+                <a:gridCol w="1625600">
                   <a:extLst>
                     <a:ext uri="{9D8B030D-6E8A-4147-A177-3AD203B41FA5}">
                       <a16:colId xmlns:a16="http://schemas.microsoft.com/office/drawing/2014/main" val="254026176"/>
                     </a:ext>
                   </a:extLst>
                 </a:gridCol>
-                <a:gridCol w="2032000">
+                <a:gridCol w="1625600">
                   <a:extLst>
                     <a:ext uri="{9D8B030D-6E8A-4147-A177-3AD203B41FA5}">
                       <a16:colId xmlns:a16="http://schemas.microsoft.com/office/drawing/2014/main" val="943262164"/>
                     </a:ext>
                   </a:extLst>
                 </a:gridCol>
-                <a:gridCol w="2032000">
+                <a:gridCol w="1625600">
                   <a:extLst>
                     <a:ext uri="{9D8B030D-6E8A-4147-A177-3AD203B41FA5}">
                       <a16:colId xmlns:a16="http://schemas.microsoft.com/office/drawing/2014/main" val="2935263810"/>
@@ -6082,7 +7414,7 @@
                       <a:pPr rtl="1"/>
                       <a:r>
                         <a:rPr lang="en-US" dirty="0"/>
-                        <a:t>46</a:t>
+                        <a:t>0x46</a:t>
                       </a:r>
                       <a:endParaRPr lang="he-IL" dirty="0"/>
                     </a:p>
@@ -6097,7 +7429,7 @@
                       <a:pPr rtl="1"/>
                       <a:r>
                         <a:rPr lang="en-US" dirty="0"/>
-                        <a:t>54</a:t>
+                        <a:t>0x54</a:t>
                       </a:r>
                       <a:endParaRPr lang="he-IL" dirty="0"/>
                     </a:p>
@@ -6112,7 +7444,422 @@
                       <a:pPr rtl="1"/>
                       <a:r>
                         <a:rPr lang="en-US" dirty="0"/>
-                        <a:t>43</a:t>
+                        <a:t>0x43</a:t>
+                      </a:r>
+                      <a:endParaRPr lang="he-IL" dirty="0"/>
+                    </a:p>
+                  </a:txBody>
+                  <a:tcPr/>
+                </a:tc>
+                <a:tc>
+                  <a:txBody>
+                    <a:bodyPr/>
+                    <a:lstStyle/>
+                    <a:p>
+                      <a:pPr rtl="1"/>
+                      <a:r>
+                        <a:rPr lang="en-US" dirty="0"/>
+                        <a:t>Hexadecimal</a:t>
+                      </a:r>
+                      <a:endParaRPr lang="he-IL" dirty="0"/>
+                    </a:p>
+                  </a:txBody>
+                  <a:tcPr/>
+                </a:tc>
+                <a:extLst>
+                  <a:ext uri="{0D108BD9-81ED-4DB2-BD59-A6C34878D82A}">
+                    <a16:rowId xmlns:a16="http://schemas.microsoft.com/office/drawing/2014/main" val="2360047569"/>
+                  </a:ext>
+                </a:extLst>
+              </a:tr>
+            </a:tbl>
+          </a:graphicData>
+        </a:graphic>
+      </p:graphicFrame>
+      <p:graphicFrame>
+        <p:nvGraphicFramePr>
+          <p:cNvPr id="5" name="Table 4">
+            <a:extLst>
+              <a:ext uri="{FF2B5EF4-FFF2-40B4-BE49-F238E27FC236}">
+                <a16:creationId xmlns:a16="http://schemas.microsoft.com/office/drawing/2014/main" id="{3EF6BD1A-3358-A4EA-99B6-133138F94847}"/>
+              </a:ext>
+            </a:extLst>
+          </p:cNvPr>
+          <p:cNvGraphicFramePr>
+            <a:graphicFrameLocks noGrp="1"/>
+          </p:cNvGraphicFramePr>
+          <p:nvPr>
+            <p:extLst>
+              <p:ext uri="{D42A27DB-BD31-4B8C-83A1-F6EECF244321}">
+                <p14:modId xmlns:p14="http://schemas.microsoft.com/office/powerpoint/2010/main" val="230777625"/>
+              </p:ext>
+            </p:extLst>
+          </p:nvPr>
+        </p:nvGraphicFramePr>
+        <p:xfrm>
+          <a:off x="2032000" y="4619623"/>
+          <a:ext cx="8128000" cy="1483360"/>
+        </p:xfrm>
+        <a:graphic>
+          <a:graphicData uri="http://schemas.openxmlformats.org/drawingml/2006/table">
+            <a:tbl>
+              <a:tblPr rtl="1" firstRow="1" bandRow="1">
+                <a:tableStyleId>{5C22544A-7EE6-4342-B048-85BDC9FD1C3A}</a:tableStyleId>
+              </a:tblPr>
+              <a:tblGrid>
+                <a:gridCol w="1625600">
+                  <a:extLst>
+                    <a:ext uri="{9D8B030D-6E8A-4147-A177-3AD203B41FA5}">
+                      <a16:colId xmlns:a16="http://schemas.microsoft.com/office/drawing/2014/main" val="380670699"/>
+                    </a:ext>
+                  </a:extLst>
+                </a:gridCol>
+                <a:gridCol w="1625600">
+                  <a:extLst>
+                    <a:ext uri="{9D8B030D-6E8A-4147-A177-3AD203B41FA5}">
+                      <a16:colId xmlns:a16="http://schemas.microsoft.com/office/drawing/2014/main" val="657372084"/>
+                    </a:ext>
+                  </a:extLst>
+                </a:gridCol>
+                <a:gridCol w="1625600">
+                  <a:extLst>
+                    <a:ext uri="{9D8B030D-6E8A-4147-A177-3AD203B41FA5}">
+                      <a16:colId xmlns:a16="http://schemas.microsoft.com/office/drawing/2014/main" val="254026176"/>
+                    </a:ext>
+                  </a:extLst>
+                </a:gridCol>
+                <a:gridCol w="1625600">
+                  <a:extLst>
+                    <a:ext uri="{9D8B030D-6E8A-4147-A177-3AD203B41FA5}">
+                      <a16:colId xmlns:a16="http://schemas.microsoft.com/office/drawing/2014/main" val="943262164"/>
+                    </a:ext>
+                  </a:extLst>
+                </a:gridCol>
+                <a:gridCol w="1625600">
+                  <a:extLst>
+                    <a:ext uri="{9D8B030D-6E8A-4147-A177-3AD203B41FA5}">
+                      <a16:colId xmlns:a16="http://schemas.microsoft.com/office/drawing/2014/main" val="2935263810"/>
+                    </a:ext>
+                  </a:extLst>
+                </a:gridCol>
+              </a:tblGrid>
+              <a:tr h="370840">
+                <a:tc>
+                  <a:txBody>
+                    <a:bodyPr/>
+                    <a:lstStyle/>
+                    <a:p>
+                      <a:pPr rtl="1"/>
+                      <a:r>
+                        <a:rPr lang="en-US" dirty="0"/>
+                        <a:t>L</a:t>
+                      </a:r>
+                      <a:endParaRPr lang="he-IL" dirty="0"/>
+                    </a:p>
+                  </a:txBody>
+                  <a:tcPr/>
+                </a:tc>
+                <a:tc>
+                  <a:txBody>
+                    <a:bodyPr/>
+                    <a:lstStyle/>
+                    <a:p>
+                      <a:pPr rtl="1"/>
+                      <a:r>
+                        <a:rPr lang="en-US" dirty="0"/>
+                        <a:t>L</a:t>
+                      </a:r>
+                      <a:endParaRPr lang="he-IL" dirty="0"/>
+                    </a:p>
+                  </a:txBody>
+                  <a:tcPr/>
+                </a:tc>
+                <a:tc>
+                  <a:txBody>
+                    <a:bodyPr/>
+                    <a:lstStyle/>
+                    <a:p>
+                      <a:pPr rtl="1"/>
+                      <a:r>
+                        <a:rPr lang="en-US" dirty="0"/>
+                        <a:t>U</a:t>
+                      </a:r>
+                      <a:endParaRPr lang="he-IL" dirty="0"/>
+                    </a:p>
+                  </a:txBody>
+                  <a:tcPr/>
+                </a:tc>
+                <a:tc>
+                  <a:txBody>
+                    <a:bodyPr/>
+                    <a:lstStyle/>
+                    <a:p>
+                      <a:pPr rtl="1"/>
+                      <a:r>
+                        <a:rPr lang="en-US" dirty="0"/>
+                        <a:t>N</a:t>
+                      </a:r>
+                      <a:endParaRPr lang="he-IL" dirty="0"/>
+                    </a:p>
+                  </a:txBody>
+                  <a:tcPr/>
+                </a:tc>
+                <a:tc>
+                  <a:txBody>
+                    <a:bodyPr/>
+                    <a:lstStyle/>
+                    <a:p>
+                      <a:pPr rtl="1"/>
+                      <a:r>
+                        <a:rPr lang="en-US" dirty="0"/>
+                        <a:t>ASCII text</a:t>
+                      </a:r>
+                      <a:endParaRPr lang="he-IL" dirty="0"/>
+                    </a:p>
+                  </a:txBody>
+                  <a:tcPr/>
+                </a:tc>
+                <a:extLst>
+                  <a:ext uri="{0D108BD9-81ED-4DB2-BD59-A6C34878D82A}">
+                    <a16:rowId xmlns:a16="http://schemas.microsoft.com/office/drawing/2014/main" val="1318365072"/>
+                  </a:ext>
+                </a:extLst>
+              </a:tr>
+              <a:tr h="370840">
+                <a:tc>
+                  <a:txBody>
+                    <a:bodyPr/>
+                    <a:lstStyle/>
+                    <a:p>
+                      <a:pPr marL="0" marR="0" lvl="0" indent="0" algn="l" defTabSz="914400" rtl="1" eaLnBrk="1" fontAlgn="auto" latinLnBrk="0" hangingPunct="1">
+                        <a:lnSpc>
+                          <a:spcPct val="100000"/>
+                        </a:lnSpc>
+                        <a:spcBef>
+                          <a:spcPts val="0"/>
+                        </a:spcBef>
+                        <a:spcAft>
+                          <a:spcPts val="0"/>
+                        </a:spcAft>
+                        <a:buClrTx/>
+                        <a:buSzTx/>
+                        <a:buFontTx/>
+                        <a:buNone/>
+                        <a:tabLst/>
+                        <a:defRPr/>
+                      </a:pPr>
+                      <a:r>
+                        <a:rPr lang="en-US" dirty="0"/>
+                        <a:t>0100 1100</a:t>
+                      </a:r>
+                      <a:endParaRPr lang="he-IL" dirty="0"/>
+                    </a:p>
+                  </a:txBody>
+                  <a:tcPr/>
+                </a:tc>
+                <a:tc>
+                  <a:txBody>
+                    <a:bodyPr/>
+                    <a:lstStyle/>
+                    <a:p>
+                      <a:pPr rtl="1"/>
+                      <a:r>
+                        <a:rPr lang="en-US" dirty="0"/>
+                        <a:t>0100 1100</a:t>
+                      </a:r>
+                      <a:endParaRPr lang="he-IL" dirty="0"/>
+                    </a:p>
+                  </a:txBody>
+                  <a:tcPr/>
+                </a:tc>
+                <a:tc>
+                  <a:txBody>
+                    <a:bodyPr/>
+                    <a:lstStyle/>
+                    <a:p>
+                      <a:pPr rtl="1"/>
+                      <a:r>
+                        <a:rPr lang="en-US" dirty="0"/>
+                        <a:t>0101 0101</a:t>
+                      </a:r>
+                      <a:endParaRPr lang="he-IL" dirty="0"/>
+                    </a:p>
+                  </a:txBody>
+                  <a:tcPr/>
+                </a:tc>
+                <a:tc>
+                  <a:txBody>
+                    <a:bodyPr/>
+                    <a:lstStyle/>
+                    <a:p>
+                      <a:pPr rtl="1"/>
+                      <a:r>
+                        <a:rPr lang="en-US" dirty="0"/>
+                        <a:t>0100 1110</a:t>
+                      </a:r>
+                      <a:endParaRPr lang="he-IL" dirty="0"/>
+                    </a:p>
+                  </a:txBody>
+                  <a:tcPr/>
+                </a:tc>
+                <a:tc>
+                  <a:txBody>
+                    <a:bodyPr/>
+                    <a:lstStyle/>
+                    <a:p>
+                      <a:pPr rtl="1"/>
+                      <a:r>
+                        <a:rPr lang="en-US" dirty="0"/>
+                        <a:t>Binary</a:t>
+                      </a:r>
+                      <a:endParaRPr lang="he-IL" dirty="0"/>
+                    </a:p>
+                  </a:txBody>
+                  <a:tcPr/>
+                </a:tc>
+                <a:extLst>
+                  <a:ext uri="{0D108BD9-81ED-4DB2-BD59-A6C34878D82A}">
+                    <a16:rowId xmlns:a16="http://schemas.microsoft.com/office/drawing/2014/main" val="4267205346"/>
+                  </a:ext>
+                </a:extLst>
+              </a:tr>
+              <a:tr h="370840">
+                <a:tc>
+                  <a:txBody>
+                    <a:bodyPr/>
+                    <a:lstStyle/>
+                    <a:p>
+                      <a:pPr rtl="1"/>
+                      <a:r>
+                        <a:rPr lang="en-US" dirty="0"/>
+                        <a:t>76</a:t>
+                      </a:r>
+                      <a:endParaRPr lang="he-IL" dirty="0"/>
+                    </a:p>
+                  </a:txBody>
+                  <a:tcPr/>
+                </a:tc>
+                <a:tc>
+                  <a:txBody>
+                    <a:bodyPr/>
+                    <a:lstStyle/>
+                    <a:p>
+                      <a:pPr rtl="1"/>
+                      <a:r>
+                        <a:rPr lang="en-US" dirty="0"/>
+                        <a:t>76</a:t>
+                      </a:r>
+                      <a:endParaRPr lang="he-IL" dirty="0"/>
+                    </a:p>
+                  </a:txBody>
+                  <a:tcPr/>
+                </a:tc>
+                <a:tc>
+                  <a:txBody>
+                    <a:bodyPr/>
+                    <a:lstStyle/>
+                    <a:p>
+                      <a:pPr rtl="1"/>
+                      <a:r>
+                        <a:rPr lang="en-US" dirty="0"/>
+                        <a:t>85</a:t>
+                      </a:r>
+                      <a:endParaRPr lang="he-IL" dirty="0"/>
+                    </a:p>
+                  </a:txBody>
+                  <a:tcPr/>
+                </a:tc>
+                <a:tc>
+                  <a:txBody>
+                    <a:bodyPr/>
+                    <a:lstStyle/>
+                    <a:p>
+                      <a:pPr rtl="1"/>
+                      <a:r>
+                        <a:rPr lang="en-US" dirty="0"/>
+                        <a:t>78</a:t>
+                      </a:r>
+                      <a:endParaRPr lang="he-IL" dirty="0"/>
+                    </a:p>
+                  </a:txBody>
+                  <a:tcPr/>
+                </a:tc>
+                <a:tc>
+                  <a:txBody>
+                    <a:bodyPr/>
+                    <a:lstStyle/>
+                    <a:p>
+                      <a:pPr rtl="1"/>
+                      <a:r>
+                        <a:rPr lang="en-US" dirty="0"/>
+                        <a:t>Decimal</a:t>
+                      </a:r>
+                      <a:endParaRPr lang="he-IL" dirty="0"/>
+                    </a:p>
+                  </a:txBody>
+                  <a:tcPr/>
+                </a:tc>
+                <a:extLst>
+                  <a:ext uri="{0D108BD9-81ED-4DB2-BD59-A6C34878D82A}">
+                    <a16:rowId xmlns:a16="http://schemas.microsoft.com/office/drawing/2014/main" val="3005249653"/>
+                  </a:ext>
+                </a:extLst>
+              </a:tr>
+              <a:tr h="370840">
+                <a:tc>
+                  <a:txBody>
+                    <a:bodyPr/>
+                    <a:lstStyle/>
+                    <a:p>
+                      <a:pPr rtl="1"/>
+                      <a:r>
+                        <a:rPr lang="en-US" dirty="0"/>
+                        <a:t>0x4C</a:t>
+                      </a:r>
+                      <a:endParaRPr lang="he-IL" dirty="0"/>
+                    </a:p>
+                  </a:txBody>
+                  <a:tcPr/>
+                </a:tc>
+                <a:tc>
+                  <a:txBody>
+                    <a:bodyPr/>
+                    <a:lstStyle/>
+                    <a:p>
+                      <a:pPr rtl="1"/>
+                      <a:r>
+                        <a:rPr lang="en-US" dirty="0"/>
+                        <a:t>0x4C</a:t>
+                      </a:r>
+                      <a:endParaRPr lang="he-IL" dirty="0"/>
+                    </a:p>
+                  </a:txBody>
+                  <a:tcPr/>
+                </a:tc>
+                <a:tc>
+                  <a:txBody>
+                    <a:bodyPr/>
+                    <a:lstStyle/>
+                    <a:p>
+                      <a:pPr rtl="1"/>
+                      <a:r>
+                        <a:rPr lang="en-US" dirty="0"/>
+                        <a:t>0x55</a:t>
+                      </a:r>
+                      <a:endParaRPr lang="he-IL" dirty="0"/>
+                    </a:p>
+                  </a:txBody>
+                  <a:tcPr/>
+                </a:tc>
+                <a:tc>
+                  <a:txBody>
+                    <a:bodyPr/>
+                    <a:lstStyle/>
+                    <a:p>
+                      <a:pPr rtl="1"/>
+                      <a:r>
+                        <a:rPr lang="en-US" dirty="0"/>
+                        <a:t>0x4E</a:t>
                       </a:r>
                       <a:endParaRPr lang="he-IL" dirty="0"/>
                     </a:p>
@@ -6196,12 +7943,8 @@
           <a:lstStyle/>
           <a:p>
             <a:r>
-              <a:rPr lang="en-US"/>
-              <a:t>Character </a:t>
-            </a:r>
-            <a:r>
               <a:rPr lang="en-US" dirty="0"/>
-              <a:t>Encoding</a:t>
+              <a:t>Character Encoding</a:t>
             </a:r>
             <a:endParaRPr lang="he-IL" dirty="0"/>
           </a:p>
@@ -7942,7 +9685,7 @@
 </file>
 
 <file path=ppt/slides/slide5.xml><?xml version="1.0" encoding="utf-8"?>
-<p:sld xmlns:a="http://schemas.openxmlformats.org/drawingml/2006/main" xmlns:r="http://schemas.openxmlformats.org/officeDocument/2006/relationships" xmlns:p="http://schemas.openxmlformats.org/presentationml/2006/main">
+<p:sld xmlns:a="http://schemas.openxmlformats.org/drawingml/2006/main" xmlns:r="http://schemas.openxmlformats.org/officeDocument/2006/relationships" xmlns:p="http://schemas.openxmlformats.org/presentationml/2006/main" show="0">
   <p:cSld>
     <p:spTree>
       <p:nvGrpSpPr>
@@ -8036,7 +9779,7 @@
 </file>
 
 <file path=ppt/slides/slide6.xml><?xml version="1.0" encoding="utf-8"?>
-<p:sld xmlns:a="http://schemas.openxmlformats.org/drawingml/2006/main" xmlns:r="http://schemas.openxmlformats.org/officeDocument/2006/relationships" xmlns:p="http://schemas.openxmlformats.org/presentationml/2006/main" show="0">
+<p:sld xmlns:a="http://schemas.openxmlformats.org/drawingml/2006/main" xmlns:r="http://schemas.openxmlformats.org/officeDocument/2006/relationships" xmlns:p="http://schemas.openxmlformats.org/presentationml/2006/main">
   <p:cSld>
     <p:spTree>
       <p:nvGrpSpPr>
@@ -8130,7 +9873,7 @@
 </file>
 
 <file path=ppt/slides/slide7.xml><?xml version="1.0" encoding="utf-8"?>
-<p:sld xmlns:a="http://schemas.openxmlformats.org/drawingml/2006/main" xmlns:r="http://schemas.openxmlformats.org/officeDocument/2006/relationships" xmlns:p="http://schemas.openxmlformats.org/presentationml/2006/main" show="0">
+<p:sld xmlns:a="http://schemas.openxmlformats.org/drawingml/2006/main" xmlns:r="http://schemas.openxmlformats.org/officeDocument/2006/relationships" xmlns:p="http://schemas.openxmlformats.org/presentationml/2006/main">
   <p:cSld>
     <p:spTree>
       <p:nvGrpSpPr>
@@ -8195,7 +9938,7 @@
 </file>
 
 <file path=ppt/slides/slide8.xml><?xml version="1.0" encoding="utf-8"?>
-<p:sld xmlns:a="http://schemas.openxmlformats.org/drawingml/2006/main" xmlns:r="http://schemas.openxmlformats.org/officeDocument/2006/relationships" xmlns:p="http://schemas.openxmlformats.org/presentationml/2006/main" show="0">
+<p:sld xmlns:a="http://schemas.openxmlformats.org/drawingml/2006/main" xmlns:r="http://schemas.openxmlformats.org/officeDocument/2006/relationships" xmlns:p="http://schemas.openxmlformats.org/presentationml/2006/main">
   <p:cSld>
     <p:spTree>
       <p:nvGrpSpPr>
@@ -8255,7 +9998,7 @@
 </file>
 
 <file path=ppt/slides/slide9.xml><?xml version="1.0" encoding="utf-8"?>
-<p:sld xmlns:a="http://schemas.openxmlformats.org/drawingml/2006/main" xmlns:r="http://schemas.openxmlformats.org/officeDocument/2006/relationships" xmlns:p="http://schemas.openxmlformats.org/presentationml/2006/main">
+<p:sld xmlns:a="http://schemas.openxmlformats.org/drawingml/2006/main" xmlns:r="http://schemas.openxmlformats.org/officeDocument/2006/relationships" xmlns:p="http://schemas.openxmlformats.org/presentationml/2006/main" show="0">
   <p:cSld>
     <p:spTree>
       <p:nvGrpSpPr>
